--- a/slides/03企業のグローバル化.pptx
+++ b/slides/03企業のグローバル化.pptx
@@ -367,7 +367,7 @@
           <inkml:channelProperty channel="Y" name="resolution" value="1000" units="1/cm"/>
         </inkml:channelProperties>
       </inkml:inkSource>
-      <inkml:timestamp xml:id="ts0" timeString="2024-05-14T07:01:43.767"/>
+      <inkml:timestamp xml:id="ts0" timeString="2025-05-12T07:01:27.769"/>
     </inkml:context>
     <inkml:brush xml:id="br0">
       <inkml:brushProperty name="width" value="0.2" units="cm"/>
@@ -377,11 +377,235 @@
       <inkml:brushProperty name="rasterOp" value="maskPen"/>
     </inkml:brush>
   </inkml:definitions>
-  <inkml:trace contextRef="#ctx0" brushRef="#br0">2854 3329,'-52'3,"0"1,-13 0,-6-2,-19-1,-7-5,15-4,-5-4,-2-5,12-1,-2-3,-1-4,0-2,-4-4,-1-4,1-1,1-4,0-2,0-3,3-1,1-1,6 1,2 0,2 0,2-1,-13-10,4-1,2 1,7 1,4 1,2-1,8 5,2 0,4 1,-16-20,6 1,10 7,5 1,9 6,4 0,5 2,4-2,4-9,7-4,10-9,12-4,8 17,10-3,8 1,3 7,7-1,6 0,5 3,1 5,4 1,5 2,3 0,3 2,-3 3,3 1,2 0,3 2,2 1,0 2,-4 4,1 0,2 2,1 1,1 1,1 2,0 1,5 0,2 2,0 2,1 1,1 1,0 1,0 2,1 1,1 1,0 1,1 1,0 2,-1 1,-1 0,-2 2,-1 1,1 1,-1 1,-1 0,0 2,-2 2,8 0,-2 1,0 2,-1 1,-2 2,-2 3,7 2,-2 3,-2 2,-2 4,-3 3,9 6,-2 5,-5 4,-5 7,-7 5,-4 5,-4 6,-5 3,-3 6,-5 5,-4 5,-4 3,-12-10,-3 4,-3 3,-3 1,-2 2,0 7,-4 2,-2 2,-2 1,-1-1,-2 2,-2 1,-2 0,-2 0,-1 0,-1 1,-2 0,-1 1,-2-2,-4-2,-2-7,-2 0,-3-3,-4-1,-6-2,-10 13,-7-3,-7-3,-9-6,1-19,-5-3,-6-4,-5-4,-3-4,-12-2,-5-5,-5-6,-2-2,-1-3,10-6,-2-3,-1-1,-1-3,0-2,2 0,2-3,0-1,0-2,0-1,2-1,2-1,-6 1,1-2,2-1,2 0,3-1,-3-1,2-1,5-1,8 1,-13 0,11 0,-17 0</inkml:trace>
+  <inkml:trace contextRef="#ctx0" brushRef="#br0">0 1,'53'0,"-1"0,8 0,3 0,12 0,5 0,-15 0,2 0,3 0,7 0,2 0,1 0,0 0,0 0,-2 0,24 0,-6 0,-19 0,-4 0,-13 0,0 0,4 0,2 0,9 0,2 0,-1 0,-1 0,-10 0,-3 0,26 0,-35 0,-3 0,14 0,28 0,-38 0,0 0,38 0,-26 0,-27 0,-17 0,-4 0,-11 0,-1 0</inkml:trace>
 </inkml:ink>
 </file>
 
 <file path=ppt/ink/ink10.xml><?xml version="1.0" encoding="utf-8"?>
+<inkml:ink xmlns:inkml="http://www.w3.org/2003/InkML">
+  <inkml:definitions>
+    <inkml:context xml:id="ctx0">
+      <inkml:inkSource xml:id="inkSrc0">
+        <inkml:traceFormat>
+          <inkml:channel name="X" type="integer" min="-2.14748E9" max="2.14748E9" units="cm"/>
+          <inkml:channel name="Y" type="integer" min="-2.14748E9" max="2.14748E9" units="cm"/>
+        </inkml:traceFormat>
+        <inkml:channelProperties>
+          <inkml:channelProperty channel="X" name="resolution" value="1000" units="1/cm"/>
+          <inkml:channelProperty channel="Y" name="resolution" value="1000" units="1/cm"/>
+        </inkml:channelProperties>
+      </inkml:inkSource>
+      <inkml:timestamp xml:id="ts0" timeString="2024-05-14T07:01:45.152"/>
+    </inkml:context>
+    <inkml:brush xml:id="br0">
+      <inkml:brushProperty name="width" value="0.2" units="cm"/>
+      <inkml:brushProperty name="height" value="0.4" units="cm"/>
+      <inkml:brushProperty name="color" value="#FFACD5"/>
+      <inkml:brushProperty name="tip" value="rectangle"/>
+      <inkml:brushProperty name="rasterOp" value="maskPen"/>
+    </inkml:brush>
+  </inkml:definitions>
+  <inkml:trace contextRef="#ctx0" brushRef="#br0">2484 4690,'-77'0,"1"0,9 0,-3 0,-4 0,-18-1,-4-1,-4-3,12-2,-3-2,-2-2,0-4,14-1,-1-2,0-2,1-3,1-2,-16-10,1-3,2-4,5-3,9 0,2-4,5-2,5-2,-8-16,8-3,7-3,11 4,8-2,5-3,6-5,8-4,2-2,2-5,4-2,5-1,4 20,4 0,4-2,5 1,7-7,5 0,7 0,7-2,6 6,8-2,5 0,5 0,4 1,-10 16,4 0,2 1,4-1,1 1,3 1,2 0,0 1,4 0,1 1,3 0,1 1,2 0,1 1,1 0,-3 4,2-1,2 1,1 0,1 1,1 1,0 2,0 0,0 3,-1 2,1 1,0 2,1 0,0 2,0 1,0 2,1 0,-1 2,-2 1,1 1,0 2,0 0,0 2,0 1,-1 1,0 2,-1 2,3 0,-1 2,1 1,-2 2,1 2,-2 1,-1 2,-1 2,17 1,-2 2,-2 3,0 3,-2 3,-1 2,-8 3,0 3,-1 2,-2 2,0 3,-2 2,9 6,-1 3,-1 3,-3 4,-2 4,-4 3,-2 5,-2 3,-2 3,-3 2,-4 2,-3 3,-2 1,-3 3,-2 0,8 13,-3 3,-5 1,-4 2,-6-2,-4 1,-4 2,-4-2,-5-5,-3-1,-3 0,-2 0,3 22,-4-1,-6 1,-5 0,-7 0,-10 0,-4-23,-6 0,-5 0,-7 0,-12 8,-7 0,-7-1,-6-2,3-9,-6-1,-5-1,-2-1,-2-2,7-8,-3-1,-2-1,-2-1,0-1,-1-2,-1-1,-1-1,-1-1,-1-2,-1-1,-1-2,0-2,-1-2,-1-2,-1-2,1-1,0-1,-10 2,-1-2,1-3,0-1,0-3,5-3,-1-2,1-2,1-1,2-2,-14 1,1-2,3-2,4-2,-9-1,5-3,6-2,17-2,3-1,9-1,-39-1,60 0</inkml:trace>
+</inkml:ink>
+</file>
+
+<file path=ppt/ink/ink11.xml><?xml version="1.0" encoding="utf-8"?>
+<inkml:ink xmlns:inkml="http://www.w3.org/2003/InkML">
+  <inkml:definitions>
+    <inkml:context xml:id="ctx0">
+      <inkml:inkSource xml:id="inkSrc0">
+        <inkml:traceFormat>
+          <inkml:channel name="X" type="integer" min="-2.14748E9" max="2.14748E9" units="cm"/>
+          <inkml:channel name="Y" type="integer" min="-2.14748E9" max="2.14748E9" units="cm"/>
+        </inkml:traceFormat>
+        <inkml:channelProperties>
+          <inkml:channelProperty channel="X" name="resolution" value="1000" units="1/cm"/>
+          <inkml:channelProperty channel="Y" name="resolution" value="1000" units="1/cm"/>
+        </inkml:channelProperties>
+      </inkml:inkSource>
+      <inkml:timestamp xml:id="ts0" timeString="2024-05-14T07:01:46.433"/>
+    </inkml:context>
+    <inkml:brush xml:id="br0">
+      <inkml:brushProperty name="width" value="0.2" units="cm"/>
+      <inkml:brushProperty name="height" value="0.4" units="cm"/>
+      <inkml:brushProperty name="color" value="#FFACD5"/>
+      <inkml:brushProperty name="tip" value="rectangle"/>
+      <inkml:brushProperty name="rasterOp" value="maskPen"/>
+    </inkml:brush>
+  </inkml:definitions>
+  <inkml:trace contextRef="#ctx0" brushRef="#br0">3554 3901,'-99'0,"17"0,-12 0,4 0,-7 0,-7 0,27 0,-4 0,-2 0,-2 0,-2 0,6 0,-2 1,-1-1,-1 0,0-1,0 0,-1-1,0-1,-1 0,1-1,1-1,1-1,-11-2,2-1,1-1,2-3,2-3,-10-6,3-3,3-4,5-3,-6-11,7-5,6-4,15 2,6-4,4-2,9 3,4-1,5-2,-3-20,8-3,4 1,6-2,4 0,6-1,1-10,10-4,9 24,8-3,7-1,6 7,6-1,7-1,5 0,3 3,6 0,6-1,3 1,5 0,-10 13,4-1,2 1,3 1,3-1,3 1,3 0,-4 5,4-1,3 1,2-1,2 1,1 1,2 0,0 1,1 1,-3 3,2-1,1 1,2 0,0 2,1 0,1 0,1 2,-1 1,2 1,-7 4,2 0,0 1,1 0,1 2,0 0,0 2,0 0,0 1,0 1,-1 1,7-1,0 1,1 1,0 0,0 2,-1 1,0 2,-2 2,-1 1,-1 3,7 0,0 2,-2 2,-1 2,-1 2,-1 3,-2 3,-1 4,3 2,0 4,-2 2,-1 3,-3 4,-2 4,-3 4,2 6,-2 5,-4 5,-2 3,-5 4,-3 4,-7 2,-3 5,-4 3,-4 3,-3 2,-4 2,-3 2,-4 3,-4 2,-3 2,-3 0,-2 0,-4-1,-2 1,-3 1,-4 0,-3 0,-3 0,-3 13,-5 1,-4 0,-6-1,-5-1,-5 0,-6-1,-4-1,-6-1,-6-4,3-16,-4 0,-4-3,-4-1,-2-3,-4-3,-7 0,-4-3,-4-2,-2-3,-3-2,0-2,-5-2,-2-3,-3-2,-1-2,-1-3,0-3,-2-2,-2-3,-1-2,0-2,1-2,-1-2,5-2,-1-1,0-2,1-2,0-1,2 0,-10 0,0-2,2-2,1 0,2-1,9-2,1 0,1-2,3 0,2 1,-30 2,5-1,10-1,1-2,12 0,-15 4</inkml:trace>
+</inkml:ink>
+</file>
+
+<file path=ppt/ink/ink12.xml><?xml version="1.0" encoding="utf-8"?>
+<inkml:ink xmlns:inkml="http://www.w3.org/2003/InkML">
+  <inkml:definitions>
+    <inkml:context xml:id="ctx0">
+      <inkml:inkSource xml:id="inkSrc0">
+        <inkml:traceFormat>
+          <inkml:channel name="X" type="integer" min="-2.14748E9" max="2.14748E9" units="cm"/>
+          <inkml:channel name="Y" type="integer" min="-2.14748E9" max="2.14748E9" units="cm"/>
+        </inkml:traceFormat>
+        <inkml:channelProperties>
+          <inkml:channelProperty channel="X" name="resolution" value="1000" units="1/cm"/>
+          <inkml:channelProperty channel="Y" name="resolution" value="1000" units="1/cm"/>
+        </inkml:channelProperties>
+      </inkml:inkSource>
+      <inkml:timestamp xml:id="ts0" timeString="2024-05-14T07:01:47.800"/>
+    </inkml:context>
+    <inkml:brush xml:id="br0">
+      <inkml:brushProperty name="width" value="0.2" units="cm"/>
+      <inkml:brushProperty name="height" value="0.4" units="cm"/>
+      <inkml:brushProperty name="color" value="#FFACD5"/>
+      <inkml:brushProperty name="tip" value="rectangle"/>
+      <inkml:brushProperty name="rasterOp" value="maskPen"/>
+    </inkml:brush>
+  </inkml:definitions>
+  <inkml:trace contextRef="#ctx0" brushRef="#br0">2829 3638,'-77'0,"0"0,11 1,-4 0,-4-3,2-2,-4-2,-3-2,0-4,-13-4,-2-4,-1-4,-1-3,13 0,-1-3,0-3,0-2,0-3,-1-4,-1-4,1-2,2-2,3 1,6 1,2 0,2-1,2-1,2 1,-7-7,2 0,4 0,5 0,-4-9,6 0,8 0,0-19,12-2,7-3,16-4,19 27,10-1,11 0,19-11,16-1,12 1,-17 28,8-1,4 1,6 0,3 0,3 0,-2 4,5 0,3 1,4-1,1 1,3 0,0 1,1 1,-10 4,2 1,1 0,1 1,1 0,1 0,1 1,1 0,1 2,0 0,-3 1,2 1,1 1,1 0,1 1,0 0,0 1,1 1,-1 1,1 1,-1 1,0 1,0 1,0 1,1 0,0 2,-1 0,1 2,0 0,-1 1,0 1,0 2,5-1,0 1,0 1,0 1,-1 1,1 1,-1 1,0 2,0 1,-1 1,-2 2,-1 0,1 2,0 1,-1 1,0 1,-1 1,-1 2,-1 0,-2 2,12 3,-2 1,0 2,-2 1,-1 2,-1 1,-3 2,-1 0,2 2,-3 2,0 1,-3 2,-1 0,-3 2,-2 2,2 2,-3 2,-2 2,-2 0,-3 1,-2-1,16 11,-3 0,-4 0,-4 1,9 10,-5 0,-7 3,-15-5,-5 2,-6 2,5 24,-13 4,-18-24,-5 2,-6 1,-5 2,-7 2,-8 0,-14 11,-10 0,-10 1,-2-11,-8 0,-5 1,-7 0,10-15,-5 0,-3 1,-4-1,-2 1,-1 0,0-1,-2 1,-3 0,-2 0,-1 0,-2-1,-1-1,5-3,-1-1,-2 0,-1 0,-1-1,-1-1,-2-1,0-1,4-3,0-2,-2 1,0-2,-2 0,0-2,-1-1,0-1,-1-2,-2 0,-1-3,0 0,-2-2,0-1,0-1,-1-2,0-1,-1-1,7-4,0-1,-1-1,0-2,0 0,-1-2,0 0,0-1,0-1,0-1,-1 0,0-2,0 0,-1-1,0-2,1 1,0-2,0 0,1-1,1 0,-4 0,1-1,0-1,0 0,1-1,1 0,0-1,2 0,0 0,-14 0,0-1,1 0,2-1,1 0,2 0,2-1,-1 1,2-1,2-1,2 1,3-1,3 0,-19-1,4 0,4-1,4 0,-9-2,5 0,8-1,-3-2,12-1,-9-9,49 1,24 7,12 1</inkml:trace>
+</inkml:ink>
+</file>
+
+<file path=ppt/ink/ink13.xml><?xml version="1.0" encoding="utf-8"?>
+<inkml:ink xmlns:inkml="http://www.w3.org/2003/InkML">
+  <inkml:definitions>
+    <inkml:context xml:id="ctx0">
+      <inkml:inkSource xml:id="inkSrc0">
+        <inkml:traceFormat>
+          <inkml:channel name="X" type="integer" min="-2.14748E9" max="2.14748E9" units="cm"/>
+          <inkml:channel name="Y" type="integer" min="-2.14748E9" max="2.14748E9" units="cm"/>
+        </inkml:traceFormat>
+        <inkml:channelProperties>
+          <inkml:channelProperty channel="X" name="resolution" value="1000" units="1/cm"/>
+          <inkml:channelProperty channel="Y" name="resolution" value="1000" units="1/cm"/>
+        </inkml:channelProperties>
+      </inkml:inkSource>
+      <inkml:timestamp xml:id="ts0" timeString="2024-05-14T07:01:50.482"/>
+    </inkml:context>
+    <inkml:brush xml:id="br0">
+      <inkml:brushProperty name="width" value="0.2" units="cm"/>
+      <inkml:brushProperty name="height" value="0.4" units="cm"/>
+      <inkml:brushProperty name="color" value="#FFACD5"/>
+      <inkml:brushProperty name="tip" value="rectangle"/>
+      <inkml:brushProperty name="rasterOp" value="maskPen"/>
+    </inkml:brush>
+  </inkml:definitions>
+  <inkml:trace contextRef="#ctx0" brushRef="#br0">1 1,'63'0,"1"0,20 0,8 0,-9 0,6 0,1 0,5 0,2 0,0 0,1 0,0 0,-1 0,-5 0,0 0,-4 0,-10 0,-4 0,-2 0,21 0,-9 0,-24 0,-8 0,8 0,-35 0,-15 0</inkml:trace>
+</inkml:ink>
+</file>
+
+<file path=ppt/ink/ink14.xml><?xml version="1.0" encoding="utf-8"?>
+<inkml:ink xmlns:inkml="http://www.w3.org/2003/InkML">
+  <inkml:definitions>
+    <inkml:context xml:id="ctx0">
+      <inkml:inkSource xml:id="inkSrc0">
+        <inkml:traceFormat>
+          <inkml:channel name="X" type="integer" min="-2.14748E9" max="2.14748E9" units="cm"/>
+          <inkml:channel name="Y" type="integer" min="-2.14748E9" max="2.14748E9" units="cm"/>
+        </inkml:traceFormat>
+        <inkml:channelProperties>
+          <inkml:channelProperty channel="X" name="resolution" value="1000" units="1/cm"/>
+          <inkml:channelProperty channel="Y" name="resolution" value="1000" units="1/cm"/>
+        </inkml:channelProperties>
+      </inkml:inkSource>
+      <inkml:timestamp xml:id="ts0" timeString="2024-05-14T07:01:51.916"/>
+    </inkml:context>
+    <inkml:brush xml:id="br0">
+      <inkml:brushProperty name="width" value="0.2" units="cm"/>
+      <inkml:brushProperty name="height" value="0.4" units="cm"/>
+      <inkml:brushProperty name="color" value="#FFACD5"/>
+      <inkml:brushProperty name="tip" value="rectangle"/>
+      <inkml:brushProperty name="rasterOp" value="maskPen"/>
+    </inkml:brush>
+  </inkml:definitions>
+  <inkml:trace contextRef="#ctx0" brushRef="#br0">0 1,'82'0,"-24"0,5 0,26 0,7 0,-26 0,2 0,1 0,3 0,2 0,-1 0,0 0,-1 0,-1 0,-7 0,-1 0,-2 0,22 0,-6 0,-21 0,-5 0,16 0,-32 0,-17 0,-11 0,-2 0,8 0,17 0,19 0,17 0,2 0,-15 0,-14 0,-25 0,-7 0</inkml:trace>
+</inkml:ink>
+</file>
+
+<file path=ppt/ink/ink15.xml><?xml version="1.0" encoding="utf-8"?>
+<inkml:ink xmlns:inkml="http://www.w3.org/2003/InkML">
+  <inkml:definitions>
+    <inkml:context xml:id="ctx0">
+      <inkml:inkSource xml:id="inkSrc0">
+        <inkml:traceFormat>
+          <inkml:channel name="X" type="integer" min="-2.14748E9" max="2.14748E9" units="cm"/>
+          <inkml:channel name="Y" type="integer" min="-2.14748E9" max="2.14748E9" units="cm"/>
+        </inkml:traceFormat>
+        <inkml:channelProperties>
+          <inkml:channelProperty channel="X" name="resolution" value="1000" units="1/cm"/>
+          <inkml:channelProperty channel="Y" name="resolution" value="1000" units="1/cm"/>
+        </inkml:channelProperties>
+      </inkml:inkSource>
+      <inkml:timestamp xml:id="ts0" timeString="2024-05-14T07:01:55.265"/>
+    </inkml:context>
+    <inkml:brush xml:id="br0">
+      <inkml:brushProperty name="width" value="0.2" units="cm"/>
+      <inkml:brushProperty name="height" value="0.4" units="cm"/>
+      <inkml:brushProperty name="color" value="#FFACD5"/>
+      <inkml:brushProperty name="tip" value="rectangle"/>
+      <inkml:brushProperty name="rasterOp" value="maskPen"/>
+    </inkml:brush>
+  </inkml:definitions>
+  <inkml:trace contextRef="#ctx0" brushRef="#br0">1 740,'61'0,"0"0,1 0,6 0,5 0,6 0,7 0,4 0,4 0,-1 0,4 0,4 0,2 0,2 0,-20 0,1 0,3 0,0 0,2 0,0 0,1 0,-4 0,1 0,1 0,1 0,0 0,1 0,0 0,-1 0,4 0,-1 0,1 0,1 0,-1 0,1 0,-1 0,1 0,0 0,1 0,-1 0,1 0,0 0,-1 0,1 0,-1 0,1 0,-1 0,1 0,-1 0,0 0,1 0,-2 0,1 0,-3 0,1 0,-1 0,0 0,-1 0,1 0,-1 0,-1 0,10-1,0 0,0 0,-1 0,-1 0,0 0,-1 0,-5 1,-1-1,0 1,0-1,-2 1,0 0,-1 0,7 1,0-1,-2 1,0 0,-1 0,-1 1,-4-1,-1 0,-1 0,-1 1,0-1,-1 1,10 1,-1 0,-1 0,-1 0,0-1,-4 0,1-1,-1 0,-1 0,0 0,14-1,0 0,-1 0,0 0,-1 0,-1 0,0 0,0 0,0-1,0 0,-1-1,0 0,-2 0,-1-1,0 0,0-1,-4 0,1-1,-2 0,0 0,-4 0,-1 0,-1-1,1 1,2 0,1 1,0-1,0 0,0 1,0-1,0 1,2 0,5 0,1 1,1-1,0 0,4 0,0 0,1 0,0 0,-18 1,0 1,0 0,0 0,1 0,2 0,1 1,0 0,0-1,0 1,-1 0,0 1,0-1,0 0,-1 1,0 0,0 0,-1 0,0 0,1 0,-3 0,1 0,-1 0,1 0,0 0,0 0,1 0,-1 0,1 0,-1 0,-1 0,-1 0,1 0,-1 0,0 0,17 0,-1 0,0 0,-1 0,-3 0,0 0,-2 0,-1 0,-6 0,-1 0,-1 0,-1 0,-3 0,0 0,-2 0,0 0,20-1,-2-1,-1 0,-8-1,-1 0,-2-2,-4 0,-3-2,-1-1,23-6,-4-1,-10 0,-3 0,-7 0,-2-1,-7 3,0 0,-1 1,0 0,-3-1,0 0,0 0,0-2,2 0,0-1,-3-1,-2 0,-3 1,-3 2,31-10,-24 8,-19 5,-7 1,7-1,10-3,7-2,-6 4,-14 1,-11 4,-8 4,-1-1,4 1,2-1,-2-2,-4-1,-7 0,-4-2,-2-3,3-9,8-17,-6 17,4-5</inkml:trace>
+</inkml:ink>
+</file>
+
+<file path=ppt/ink/ink16.xml><?xml version="1.0" encoding="utf-8"?>
+<inkml:ink xmlns:inkml="http://www.w3.org/2003/InkML">
+  <inkml:definitions>
+    <inkml:context xml:id="ctx0">
+      <inkml:inkSource xml:id="inkSrc0">
+        <inkml:traceFormat>
+          <inkml:channel name="X" type="integer" min="-2.14748E9" max="2.14748E9" units="cm"/>
+          <inkml:channel name="Y" type="integer" min="-2.14748E9" max="2.14748E9" units="cm"/>
+        </inkml:traceFormat>
+        <inkml:channelProperties>
+          <inkml:channelProperty channel="X" name="resolution" value="1000" units="1/cm"/>
+          <inkml:channelProperty channel="Y" name="resolution" value="1000" units="1/cm"/>
+        </inkml:channelProperties>
+      </inkml:inkSource>
+      <inkml:timestamp xml:id="ts0" timeString="2024-05-14T07:02:38.812"/>
+    </inkml:context>
+    <inkml:brush xml:id="br0">
+      <inkml:brushProperty name="width" value="0.2" units="cm"/>
+      <inkml:brushProperty name="height" value="0.4" units="cm"/>
+      <inkml:brushProperty name="color" value="#FFACD5"/>
+      <inkml:brushProperty name="tip" value="rectangle"/>
+      <inkml:brushProperty name="rasterOp" value="maskPen"/>
+    </inkml:brush>
+  </inkml:definitions>
+  <inkml:trace contextRef="#ctx0" brushRef="#br0">0 117,'66'0,"-1"0,1 0,8 0,5 0,2 0,6 0,4 0,2 0,-4 0,3 0,2 0,2 0,0 0,-10 0,1 0,2 0,-1 0,1 0,0 0,0 0,1 0,0 0,-1 0,1 0,-1 0,0 0,-1 0,0 0,0 0,0 0,-1 0,-1 0,0 0,0 0,-1 0,0 0,-1 0,13 0,0 0,-1 0,-1 0,-1 0,-4 0,0 0,-2 0,0 0,-2 0,13 0,-1 1,-2-1,-2-1,-9 1,-1-1,-2-1,-2 0,17 0,-3-2,-3 0,-9-1,-3 0,-2-1,24-3,-4 0,-12 1,-3 1,-8 1,-2-1,-7 3,-2-1,-5 1,-2-1,-4 1,-2 0,41 0,-12 0,-9 3,-10 1,-10 0,-9 0,-9 0,-11 0,-7 0,-6-2,-1-1</inkml:trace>
+</inkml:ink>
+</file>
+
+<file path=ppt/ink/ink17.xml><?xml version="1.0" encoding="utf-8"?>
+<inkml:ink xmlns:inkml="http://www.w3.org/2003/InkML">
+  <inkml:definitions>
+    <inkml:context xml:id="ctx0">
+      <inkml:inkSource xml:id="inkSrc0">
+        <inkml:traceFormat>
+          <inkml:channel name="X" type="integer" min="-2.14748E9" max="2.14748E9" units="cm"/>
+          <inkml:channel name="Y" type="integer" min="-2.14748E9" max="2.14748E9" units="cm"/>
+        </inkml:traceFormat>
+        <inkml:channelProperties>
+          <inkml:channelProperty channel="X" name="resolution" value="1000" units="1/cm"/>
+          <inkml:channelProperty channel="Y" name="resolution" value="1000" units="1/cm"/>
+        </inkml:channelProperties>
+      </inkml:inkSource>
+      <inkml:timestamp xml:id="ts0" timeString="2024-05-14T07:02:43.446"/>
+    </inkml:context>
+    <inkml:brush xml:id="br0">
+      <inkml:brushProperty name="width" value="0.2" units="cm"/>
+      <inkml:brushProperty name="height" value="0.4" units="cm"/>
+      <inkml:brushProperty name="color" value="#FFACD5"/>
+      <inkml:brushProperty name="tip" value="rectangle"/>
+      <inkml:brushProperty name="rasterOp" value="maskPen"/>
+    </inkml:brush>
+  </inkml:definitions>
+  <inkml:trace contextRef="#ctx0" brushRef="#br0">1 1,'84'0,"-28"0,5 0,26 0,8 0,-15 0,5 0,2 0,-13 0,2 0,2 0,0 0,3 0,2 0,0 0,0 0,-2 0,1 0,-2 0,1 0,-2 0,0 0,0 0,-1 0,-1 0,-2 0,1 0,-1 0,1 0,-1 0,0 0,0 0,25 2,0 0,-1 2,-5 1,0 2,-2 0,-1 1,-2 0,0 2,1 1,0 2,-1-1,-3 1,-1 0,1-1,0 0,1-1,-1 0,-1 2,0 0,-1-1,-3 0,0-1,-2 0,-3-1,-2-1,-1 0,-4 0,-3 0,0-1,25 2,-2 0,-5-1,-1 0,-2 1,1-1,-1 1,1-1,0 1,0 0,1-1,1 1,1 2,1-1,2 2,2-2,5-1,1 0,-3-1,0-1,-1-3,-2-1,-8-1,-2-1,-5 1,-1-2,0 0,-1-2,-4 1,-1 0,1 0,-1 0,-6 0,-1 0,-6 0,-1 0,-2 0,-2 0,47-3,2-5,-50 1,2-2,1-1,1-1,1 1,-1-1,-1 0,-2 2,40-4,-21 5,-18 2,-17 3,-13-1,-8 2,1 2,12-2,11-2,5-3,-2 0,-11 2,-12 0,-7 1,-6-4,-4-7,-3-6,3 9,-3-1</inkml:trace>
+</inkml:ink>
+</file>
+
+<file path=ppt/ink/ink18.xml><?xml version="1.0" encoding="utf-8"?>
 <inkml:ink xmlns:inkml="http://www.w3.org/2003/InkML">
   <inkml:definitions>
     <inkml:context xml:id="ctx0">
@@ -409,7 +633,7 @@
 </inkml:ink>
 </file>
 
-<file path=ppt/ink/ink11.xml><?xml version="1.0" encoding="utf-8"?>
+<file path=ppt/ink/ink19.xml><?xml version="1.0" encoding="utf-8"?>
 <inkml:ink xmlns:inkml="http://www.w3.org/2003/InkML">
   <inkml:definitions>
     <inkml:context xml:id="ctx0">
@@ -437,7 +661,35 @@
 </inkml:ink>
 </file>
 
-<file path=ppt/ink/ink12.xml><?xml version="1.0" encoding="utf-8"?>
+<file path=ppt/ink/ink2.xml><?xml version="1.0" encoding="utf-8"?>
+<inkml:ink xmlns:inkml="http://www.w3.org/2003/InkML">
+  <inkml:definitions>
+    <inkml:context xml:id="ctx0">
+      <inkml:inkSource xml:id="inkSrc0">
+        <inkml:traceFormat>
+          <inkml:channel name="X" type="integer" min="-2.14748E9" max="2.14748E9" units="cm"/>
+          <inkml:channel name="Y" type="integer" min="-2.14748E9" max="2.14748E9" units="cm"/>
+        </inkml:traceFormat>
+        <inkml:channelProperties>
+          <inkml:channelProperty channel="X" name="resolution" value="1000" units="1/cm"/>
+          <inkml:channelProperty channel="Y" name="resolution" value="1000" units="1/cm"/>
+        </inkml:channelProperties>
+      </inkml:inkSource>
+      <inkml:timestamp xml:id="ts0" timeString="2025-05-12T07:01:29.719"/>
+    </inkml:context>
+    <inkml:brush xml:id="br0">
+      <inkml:brushProperty name="width" value="0.2" units="cm"/>
+      <inkml:brushProperty name="height" value="0.4" units="cm"/>
+      <inkml:brushProperty name="color" value="#FFACD5"/>
+      <inkml:brushProperty name="tip" value="rectangle"/>
+      <inkml:brushProperty name="rasterOp" value="maskPen"/>
+    </inkml:brush>
+  </inkml:definitions>
+  <inkml:trace contextRef="#ctx0" brushRef="#br0">0 0,'92'0,"-4"0,-1 0,-8 0,3 0,1 0,0 0,-16 0,-18 0,-15 0,-11 0,-11 0,-6 0,-6 0</inkml:trace>
+</inkml:ink>
+</file>
+
+<file path=ppt/ink/ink20.xml><?xml version="1.0" encoding="utf-8"?>
 <inkml:ink xmlns:inkml="http://www.w3.org/2003/InkML">
   <inkml:definitions>
     <inkml:context xml:id="ctx0">
@@ -465,7 +717,7 @@
 </inkml:ink>
 </file>
 
-<file path=ppt/ink/ink13.xml><?xml version="1.0" encoding="utf-8"?>
+<file path=ppt/ink/ink21.xml><?xml version="1.0" encoding="utf-8"?>
 <inkml:ink xmlns:inkml="http://www.w3.org/2003/InkML">
   <inkml:definitions>
     <inkml:context xml:id="ctx0">
@@ -493,7 +745,7 @@
 </inkml:ink>
 </file>
 
-<file path=ppt/ink/ink14.xml><?xml version="1.0" encoding="utf-8"?>
+<file path=ppt/ink/ink22.xml><?xml version="1.0" encoding="utf-8"?>
 <inkml:ink xmlns:inkml="http://www.w3.org/2003/InkML">
   <inkml:definitions>
     <inkml:context xml:id="ctx0">
@@ -521,7 +773,7 @@
 </inkml:ink>
 </file>
 
-<file path=ppt/ink/ink15.xml><?xml version="1.0" encoding="utf-8"?>
+<file path=ppt/ink/ink23.xml><?xml version="1.0" encoding="utf-8"?>
 <inkml:ink xmlns:inkml="http://www.w3.org/2003/InkML">
   <inkml:definitions>
     <inkml:context xml:id="ctx0">
@@ -549,7 +801,7 @@
 </inkml:ink>
 </file>
 
-<file path=ppt/ink/ink16.xml><?xml version="1.0" encoding="utf-8"?>
+<file path=ppt/ink/ink24.xml><?xml version="1.0" encoding="utf-8"?>
 <inkml:ink xmlns:inkml="http://www.w3.org/2003/InkML">
   <inkml:definitions>
     <inkml:context xml:id="ctx0">
@@ -577,7 +829,7 @@
 </inkml:ink>
 </file>
 
-<file path=ppt/ink/ink17.xml><?xml version="1.0" encoding="utf-8"?>
+<file path=ppt/ink/ink25.xml><?xml version="1.0" encoding="utf-8"?>
 <inkml:ink xmlns:inkml="http://www.w3.org/2003/InkML">
   <inkml:definitions>
     <inkml:context xml:id="ctx0">
@@ -605,7 +857,7 @@
 </inkml:ink>
 </file>
 
-<file path=ppt/ink/ink18.xml><?xml version="1.0" encoding="utf-8"?>
+<file path=ppt/ink/ink26.xml><?xml version="1.0" encoding="utf-8"?>
 <inkml:ink xmlns:inkml="http://www.w3.org/2003/InkML">
   <inkml:definitions>
     <inkml:context xml:id="ctx0">
@@ -633,7 +885,7 @@
 </inkml:ink>
 </file>
 
-<file path=ppt/ink/ink19.xml><?xml version="1.0" encoding="utf-8"?>
+<file path=ppt/ink/ink27.xml><?xml version="1.0" encoding="utf-8"?>
 <inkml:ink xmlns:inkml="http://www.w3.org/2003/InkML">
   <inkml:definitions>
     <inkml:context xml:id="ctx0">
@@ -661,35 +913,7 @@
 </inkml:ink>
 </file>
 
-<file path=ppt/ink/ink2.xml><?xml version="1.0" encoding="utf-8"?>
-<inkml:ink xmlns:inkml="http://www.w3.org/2003/InkML">
-  <inkml:definitions>
-    <inkml:context xml:id="ctx0">
-      <inkml:inkSource xml:id="inkSrc0">
-        <inkml:traceFormat>
-          <inkml:channel name="X" type="integer" min="-2.14748E9" max="2.14748E9" units="cm"/>
-          <inkml:channel name="Y" type="integer" min="-2.14748E9" max="2.14748E9" units="cm"/>
-        </inkml:traceFormat>
-        <inkml:channelProperties>
-          <inkml:channelProperty channel="X" name="resolution" value="1000" units="1/cm"/>
-          <inkml:channelProperty channel="Y" name="resolution" value="1000" units="1/cm"/>
-        </inkml:channelProperties>
-      </inkml:inkSource>
-      <inkml:timestamp xml:id="ts0" timeString="2024-05-14T07:01:45.152"/>
-    </inkml:context>
-    <inkml:brush xml:id="br0">
-      <inkml:brushProperty name="width" value="0.2" units="cm"/>
-      <inkml:brushProperty name="height" value="0.4" units="cm"/>
-      <inkml:brushProperty name="color" value="#FFACD5"/>
-      <inkml:brushProperty name="tip" value="rectangle"/>
-      <inkml:brushProperty name="rasterOp" value="maskPen"/>
-    </inkml:brush>
-  </inkml:definitions>
-  <inkml:trace contextRef="#ctx0" brushRef="#br0">2484 4690,'-77'0,"1"0,9 0,-3 0,-4 0,-18-1,-4-1,-4-3,12-2,-3-2,-2-2,0-4,14-1,-1-2,0-2,1-3,1-2,-16-10,1-3,2-4,5-3,9 0,2-4,5-2,5-2,-8-16,8-3,7-3,11 4,8-2,5-3,6-5,8-4,2-2,2-5,4-2,5-1,4 20,4 0,4-2,5 1,7-7,5 0,7 0,7-2,6 6,8-2,5 0,5 0,4 1,-10 16,4 0,2 1,4-1,1 1,3 1,2 0,0 1,4 0,1 1,3 0,1 1,2 0,1 1,1 0,-3 4,2-1,2 1,1 0,1 1,1 1,0 2,0 0,0 3,-1 2,1 1,0 2,1 0,0 2,0 1,0 2,1 0,-1 2,-2 1,1 1,0 2,0 0,0 2,0 1,-1 1,0 2,-1 2,3 0,-1 2,1 1,-2 2,1 2,-2 1,-1 2,-1 2,17 1,-2 2,-2 3,0 3,-2 3,-1 2,-8 3,0 3,-1 2,-2 2,0 3,-2 2,9 6,-1 3,-1 3,-3 4,-2 4,-4 3,-2 5,-2 3,-2 3,-3 2,-4 2,-3 3,-2 1,-3 3,-2 0,8 13,-3 3,-5 1,-4 2,-6-2,-4 1,-4 2,-4-2,-5-5,-3-1,-3 0,-2 0,3 22,-4-1,-6 1,-5 0,-7 0,-10 0,-4-23,-6 0,-5 0,-7 0,-12 8,-7 0,-7-1,-6-2,3-9,-6-1,-5-1,-2-1,-2-2,7-8,-3-1,-2-1,-2-1,0-1,-1-2,-1-1,-1-1,-1-1,-1-2,-1-1,-1-2,0-2,-1-2,-1-2,-1-2,1-1,0-1,-10 2,-1-2,1-3,0-1,0-3,5-3,-1-2,1-2,1-1,2-2,-14 1,1-2,3-2,4-2,-9-1,5-3,6-2,17-2,3-1,9-1,-39-1,60 0</inkml:trace>
-</inkml:ink>
-</file>
-
-<file path=ppt/ink/ink20.xml><?xml version="1.0" encoding="utf-8"?>
+<file path=ppt/ink/ink28.xml><?xml version="1.0" encoding="utf-8"?>
 <inkml:ink xmlns:inkml="http://www.w3.org/2003/InkML">
   <inkml:definitions>
     <inkml:context xml:id="ctx0">
@@ -717,7 +941,7 @@
 </inkml:ink>
 </file>
 
-<file path=ppt/ink/ink21.xml><?xml version="1.0" encoding="utf-8"?>
+<file path=ppt/ink/ink29.xml><?xml version="1.0" encoding="utf-8"?>
 <inkml:ink xmlns:inkml="http://www.w3.org/2003/InkML">
   <inkml:definitions>
     <inkml:context xml:id="ctx0">
@@ -745,7 +969,35 @@
 </inkml:ink>
 </file>
 
-<file path=ppt/ink/ink22.xml><?xml version="1.0" encoding="utf-8"?>
+<file path=ppt/ink/ink3.xml><?xml version="1.0" encoding="utf-8"?>
+<inkml:ink xmlns:inkml="http://www.w3.org/2003/InkML">
+  <inkml:definitions>
+    <inkml:context xml:id="ctx0">
+      <inkml:inkSource xml:id="inkSrc0">
+        <inkml:traceFormat>
+          <inkml:channel name="X" type="integer" min="-2.14748E9" max="2.14748E9" units="cm"/>
+          <inkml:channel name="Y" type="integer" min="-2.14748E9" max="2.14748E9" units="cm"/>
+        </inkml:traceFormat>
+        <inkml:channelProperties>
+          <inkml:channelProperty channel="X" name="resolution" value="1000" units="1/cm"/>
+          <inkml:channelProperty channel="Y" name="resolution" value="1000" units="1/cm"/>
+        </inkml:channelProperties>
+      </inkml:inkSource>
+      <inkml:timestamp xml:id="ts0" timeString="2025-05-12T07:02:05.350"/>
+    </inkml:context>
+    <inkml:brush xml:id="br0">
+      <inkml:brushProperty name="width" value="0.2" units="cm"/>
+      <inkml:brushProperty name="height" value="0.4" units="cm"/>
+      <inkml:brushProperty name="color" value="#FFACD5"/>
+      <inkml:brushProperty name="tip" value="rectangle"/>
+      <inkml:brushProperty name="rasterOp" value="maskPen"/>
+    </inkml:brush>
+  </inkml:definitions>
+  <inkml:trace contextRef="#ctx0" brushRef="#br0">1 0,'82'0,"0"0,-11 0,4 0,4 0,-6 0,5 0,1 0,0 0,6 0,1 0,-1 0,-2 0,15 0,-4 0,-2 0,-13 0,-2 0,-5 0,13 0,-4 0,-5 0,-1 0,0 0,0 0,0 0,-1 0,-9 0,-3 0,34 0,-23 0,-18 0,1 0,8 0,11 0,1 0,-10 0,-13 0,-17 0,-8 0,-6 0,-4 0,2 0,5 0,5 0,2 0,-1 0,-6 0,-7 0,-2 0,-6 3,3 1,0 3,-3 0,3-3,-3 3,1-3</inkml:trace>
+</inkml:ink>
+</file>
+
+<file path=ppt/ink/ink30.xml><?xml version="1.0" encoding="utf-8"?>
 <inkml:ink xmlns:inkml="http://www.w3.org/2003/InkML">
   <inkml:definitions>
     <inkml:context xml:id="ctx0">
@@ -773,7 +1025,7 @@
 </inkml:ink>
 </file>
 
-<file path=ppt/ink/ink23.xml><?xml version="1.0" encoding="utf-8"?>
+<file path=ppt/ink/ink31.xml><?xml version="1.0" encoding="utf-8"?>
 <inkml:ink xmlns:inkml="http://www.w3.org/2003/InkML">
   <inkml:definitions>
     <inkml:context xml:id="ctx0">
@@ -801,7 +1053,7 @@
 </inkml:ink>
 </file>
 
-<file path=ppt/ink/ink3.xml><?xml version="1.0" encoding="utf-8"?>
+<file path=ppt/ink/ink32.xml><?xml version="1.0" encoding="utf-8"?>
 <inkml:ink xmlns:inkml="http://www.w3.org/2003/InkML">
   <inkml:definitions>
     <inkml:context xml:id="ctx0">
@@ -815,17 +1067,17 @@
           <inkml:channelProperty channel="Y" name="resolution" value="1000" units="1/cm"/>
         </inkml:channelProperties>
       </inkml:inkSource>
-      <inkml:timestamp xml:id="ts0" timeString="2024-05-14T07:01:46.433"/>
+      <inkml:timestamp xml:id="ts0" timeString="2025-05-12T08:01:31.097"/>
     </inkml:context>
     <inkml:brush xml:id="br0">
       <inkml:brushProperty name="width" value="0.2" units="cm"/>
       <inkml:brushProperty name="height" value="0.4" units="cm"/>
-      <inkml:brushProperty name="color" value="#FFACD5"/>
+      <inkml:brushProperty name="color" value="#00FDFF"/>
       <inkml:brushProperty name="tip" value="rectangle"/>
       <inkml:brushProperty name="rasterOp" value="maskPen"/>
     </inkml:brush>
   </inkml:definitions>
-  <inkml:trace contextRef="#ctx0" brushRef="#br0">3554 3901,'-99'0,"17"0,-12 0,4 0,-7 0,-7 0,27 0,-4 0,-2 0,-2 0,-2 0,6 0,-2 1,-1-1,-1 0,0-1,0 0,-1-1,0-1,-1 0,1-1,1-1,1-1,-11-2,2-1,1-1,2-3,2-3,-10-6,3-3,3-4,5-3,-6-11,7-5,6-4,15 2,6-4,4-2,9 3,4-1,5-2,-3-20,8-3,4 1,6-2,4 0,6-1,1-10,10-4,9 24,8-3,7-1,6 7,6-1,7-1,5 0,3 3,6 0,6-1,3 1,5 0,-10 13,4-1,2 1,3 1,3-1,3 1,3 0,-4 5,4-1,3 1,2-1,2 1,1 1,2 0,0 1,1 1,-3 3,2-1,1 1,2 0,0 2,1 0,1 0,1 2,-1 1,2 1,-7 4,2 0,0 1,1 0,1 2,0 0,0 2,0 0,0 1,0 1,-1 1,7-1,0 1,1 1,0 0,0 2,-1 1,0 2,-2 2,-1 1,-1 3,7 0,0 2,-2 2,-1 2,-1 2,-1 3,-2 3,-1 4,3 2,0 4,-2 2,-1 3,-3 4,-2 4,-3 4,2 6,-2 5,-4 5,-2 3,-5 4,-3 4,-7 2,-3 5,-4 3,-4 3,-3 2,-4 2,-3 2,-4 3,-4 2,-3 2,-3 0,-2 0,-4-1,-2 1,-3 1,-4 0,-3 0,-3 0,-3 13,-5 1,-4 0,-6-1,-5-1,-5 0,-6-1,-4-1,-6-1,-6-4,3-16,-4 0,-4-3,-4-1,-2-3,-4-3,-7 0,-4-3,-4-2,-2-3,-3-2,0-2,-5-2,-2-3,-3-2,-1-2,-1-3,0-3,-2-2,-2-3,-1-2,0-2,1-2,-1-2,5-2,-1-1,0-2,1-2,0-1,2 0,-10 0,0-2,2-2,1 0,2-1,9-2,1 0,1-2,3 0,2 1,-30 2,5-1,10-1,1-2,12 0,-15 4</inkml:trace>
+  <inkml:trace contextRef="#ctx0" brushRef="#br0">1 0,'65'0,"1"0,10 0,6 0,-12 0,4 0,2 0,12 0,2 0,1 0,-2 0,0 0,1 0,0 0,0 0,-3 0,-12 0,-1 0,-5 0,12 0,-7 0,-15 0,-6 0,25 0,-3 0,2 0,2 0,-12 0,-19 0,-13 0,-8 0,1 0,1 0,-3 0,-4 0,-13 0,-3 0</inkml:trace>
 </inkml:ink>
 </file>
 
@@ -843,7 +1095,7 @@
           <inkml:channelProperty channel="Y" name="resolution" value="1000" units="1/cm"/>
         </inkml:channelProperties>
       </inkml:inkSource>
-      <inkml:timestamp xml:id="ts0" timeString="2024-05-14T07:01:47.800"/>
+      <inkml:timestamp xml:id="ts0" timeString="2025-05-12T07:02:33.898"/>
     </inkml:context>
     <inkml:brush xml:id="br0">
       <inkml:brushProperty name="width" value="0.2" units="cm"/>
@@ -853,7 +1105,7 @@
       <inkml:brushProperty name="rasterOp" value="maskPen"/>
     </inkml:brush>
   </inkml:definitions>
-  <inkml:trace contextRef="#ctx0" brushRef="#br0">2829 3638,'-77'0,"0"0,11 1,-4 0,-4-3,2-2,-4-2,-3-2,0-4,-13-4,-2-4,-1-4,-1-3,13 0,-1-3,0-3,0-2,0-3,-1-4,-1-4,1-2,2-2,3 1,6 1,2 0,2-1,2-1,2 1,-7-7,2 0,4 0,5 0,-4-9,6 0,8 0,0-19,12-2,7-3,16-4,19 27,10-1,11 0,19-11,16-1,12 1,-17 28,8-1,4 1,6 0,3 0,3 0,-2 4,5 0,3 1,4-1,1 1,3 0,0 1,1 1,-10 4,2 1,1 0,1 1,1 0,1 0,1 1,1 0,1 2,0 0,-3 1,2 1,1 1,1 0,1 1,0 0,0 1,1 1,-1 1,1 1,-1 1,0 1,0 1,0 1,1 0,0 2,-1 0,1 2,0 0,-1 1,0 1,0 2,5-1,0 1,0 1,0 1,-1 1,1 1,-1 1,0 2,0 1,-1 1,-2 2,-1 0,1 2,0 1,-1 1,0 1,-1 1,-1 2,-1 0,-2 2,12 3,-2 1,0 2,-2 1,-1 2,-1 1,-3 2,-1 0,2 2,-3 2,0 1,-3 2,-1 0,-3 2,-2 2,2 2,-3 2,-2 2,-2 0,-3 1,-2-1,16 11,-3 0,-4 0,-4 1,9 10,-5 0,-7 3,-15-5,-5 2,-6 2,5 24,-13 4,-18-24,-5 2,-6 1,-5 2,-7 2,-8 0,-14 11,-10 0,-10 1,-2-11,-8 0,-5 1,-7 0,10-15,-5 0,-3 1,-4-1,-2 1,-1 0,0-1,-2 1,-3 0,-2 0,-1 0,-2-1,-1-1,5-3,-1-1,-2 0,-1 0,-1-1,-1-1,-2-1,0-1,4-3,0-2,-2 1,0-2,-2 0,0-2,-1-1,0-1,-1-2,-2 0,-1-3,0 0,-2-2,0-1,0-1,-1-2,0-1,-1-1,7-4,0-1,-1-1,0-2,0 0,-1-2,0 0,0-1,0-1,0-1,-1 0,0-2,0 0,-1-1,0-2,1 1,0-2,0 0,1-1,1 0,-4 0,1-1,0-1,0 0,1-1,1 0,0-1,2 0,0 0,-14 0,0-1,1 0,2-1,1 0,2 0,2-1,-1 1,2-1,2-1,2 1,3-1,3 0,-19-1,4 0,4-1,4 0,-9-2,5 0,8-1,-3-2,12-1,-9-9,49 1,24 7,12 1</inkml:trace>
+  <inkml:trace contextRef="#ctx0" brushRef="#br0">1 69,'46'0,"16"0,9 0,10 0,-1 0,-11 0,-1 0,6 0,3 0,0 0,-8 0,-11 0,-5 0,5 0,1 0,2 0,-6 0,-11 0,-1 0,3 0,8 0,8 0,1 0,-4 0,-6 0,-11 0,-6 0,2 0,10 0,12 0,9 0,-2 0,-11 0,-10 0,-9-8,-5-2,1 0,-1 2,0 5,-1-1,-6 0,-2 0,0 3,3 1,4 0,2-1,0-2,-2-2,-4 1,-6 1,-10 3,-4-1</inkml:trace>
 </inkml:ink>
 </file>
 
@@ -871,7 +1123,7 @@
           <inkml:channelProperty channel="Y" name="resolution" value="1000" units="1/cm"/>
         </inkml:channelProperties>
       </inkml:inkSource>
-      <inkml:timestamp xml:id="ts0" timeString="2024-05-14T07:01:50.482"/>
+      <inkml:timestamp xml:id="ts0" timeString="2025-05-12T07:02:43.346"/>
     </inkml:context>
     <inkml:brush xml:id="br0">
       <inkml:brushProperty name="width" value="0.2" units="cm"/>
@@ -881,7 +1133,7 @@
       <inkml:brushProperty name="rasterOp" value="maskPen"/>
     </inkml:brush>
   </inkml:definitions>
-  <inkml:trace contextRef="#ctx0" brushRef="#br0">1 1,'63'0,"1"0,20 0,8 0,-9 0,6 0,1 0,5 0,2 0,0 0,1 0,0 0,-1 0,-5 0,0 0,-4 0,-10 0,-4 0,-2 0,21 0,-9 0,-24 0,-8 0,8 0,-35 0,-15 0</inkml:trace>
+  <inkml:trace contextRef="#ctx0" brushRef="#br0">0 100,'82'0,"-28"0,4 0,12 0,2 0,9-3,1-2,-3 1,0-2,-7-2,-1 0,-6 0,-1 1,-7 2,-1 2,-3 0,-1 1,43 1,-9-3,-1-1,-3 0,5 0,-1 1,-5-1,-5 0,-9 2,-11 3,-8 0,-2 0,5 0,10 0,5 0,0 0,-2 0,-5 0,-2 3,-8 5,-6 2,-6 2,-8-1,-12-5,-6 1</inkml:trace>
 </inkml:ink>
 </file>
 
@@ -899,17 +1151,17 @@
           <inkml:channelProperty channel="Y" name="resolution" value="1000" units="1/cm"/>
         </inkml:channelProperties>
       </inkml:inkSource>
-      <inkml:timestamp xml:id="ts0" timeString="2024-05-14T07:01:51.916"/>
+      <inkml:timestamp xml:id="ts0" timeString="2025-05-12T07:03:34.909"/>
     </inkml:context>
     <inkml:brush xml:id="br0">
       <inkml:brushProperty name="width" value="0.2" units="cm"/>
       <inkml:brushProperty name="height" value="0.4" units="cm"/>
-      <inkml:brushProperty name="color" value="#FFACD5"/>
+      <inkml:brushProperty name="color" value="#00FDFF"/>
       <inkml:brushProperty name="tip" value="rectangle"/>
       <inkml:brushProperty name="rasterOp" value="maskPen"/>
     </inkml:brush>
   </inkml:definitions>
-  <inkml:trace contextRef="#ctx0" brushRef="#br0">0 1,'82'0,"-24"0,5 0,26 0,7 0,-26 0,2 0,1 0,3 0,2 0,-1 0,0 0,-1 0,-1 0,-7 0,-1 0,-2 0,22 0,-6 0,-21 0,-5 0,16 0,-32 0,-17 0,-11 0,-2 0,8 0,17 0,19 0,17 0,2 0,-15 0,-14 0,-25 0,-7 0</inkml:trace>
+  <inkml:trace contextRef="#ctx0" brushRef="#br0">0 42,'55'0,"-1"0,-2 0,-1 0,3 0,2 0,7 0,2 0,12 0,3 0,9 0,0 0,-1 0,-3 0,-13 0,-4 0,-6 0,-2 0,0 0,1 0,12 0,3-1,9-3,0-2,-4 1,-4-1,-14 0,-6 1,18-3,-8 8,16 0,-30 0,4 0,5 0,-1 0,-5 0,-4 0,22 0,-33 0,-15 0,9 0,21 0,25 0,7 0,-15 0,-19 0,-7 0,27 0,-22 0,3 0,4 0,1 0,-2 0,-3 0,25 0,-32 0,0 2,29 4,-24-3,4 1,9-1,1 0,-2-1,-4 0,28-2,-32 0,-25 3,-16 4,-6 1,2-1,20-4,40-2,-19-1,5 0,5 0,0 0,-6 0,-3 0,21 0,-30 3,-23-2,-9 2</inkml:trace>
 </inkml:ink>
 </file>
 
@@ -927,17 +1179,17 @@
           <inkml:channelProperty channel="Y" name="resolution" value="1000" units="1/cm"/>
         </inkml:channelProperties>
       </inkml:inkSource>
-      <inkml:timestamp xml:id="ts0" timeString="2024-05-14T07:01:55.265"/>
+      <inkml:timestamp xml:id="ts0" timeString="2025-05-12T07:08:00.668"/>
     </inkml:context>
     <inkml:brush xml:id="br0">
       <inkml:brushProperty name="width" value="0.2" units="cm"/>
       <inkml:brushProperty name="height" value="0.4" units="cm"/>
-      <inkml:brushProperty name="color" value="#FFACD5"/>
+      <inkml:brushProperty name="color" value="#00FDFF"/>
       <inkml:brushProperty name="tip" value="rectangle"/>
       <inkml:brushProperty name="rasterOp" value="maskPen"/>
     </inkml:brush>
   </inkml:definitions>
-  <inkml:trace contextRef="#ctx0" brushRef="#br0">1 740,'61'0,"0"0,1 0,6 0,5 0,6 0,7 0,4 0,4 0,-1 0,4 0,4 0,2 0,2 0,-20 0,1 0,3 0,0 0,2 0,0 0,1 0,-4 0,1 0,1 0,1 0,0 0,1 0,0 0,-1 0,4 0,-1 0,1 0,1 0,-1 0,1 0,-1 0,1 0,0 0,1 0,-1 0,1 0,0 0,-1 0,1 0,-1 0,1 0,-1 0,1 0,-1 0,0 0,1 0,-2 0,1 0,-3 0,1 0,-1 0,0 0,-1 0,1 0,-1 0,-1 0,10-1,0 0,0 0,-1 0,-1 0,0 0,-1 0,-5 1,-1-1,0 1,0-1,-2 1,0 0,-1 0,7 1,0-1,-2 1,0 0,-1 0,-1 1,-4-1,-1 0,-1 0,-1 1,0-1,-1 1,10 1,-1 0,-1 0,-1 0,0-1,-4 0,1-1,-1 0,-1 0,0 0,14-1,0 0,-1 0,0 0,-1 0,-1 0,0 0,0 0,0-1,0 0,-1-1,0 0,-2 0,-1-1,0 0,0-1,-4 0,1-1,-2 0,0 0,-4 0,-1 0,-1-1,1 1,2 0,1 1,0-1,0 0,0 1,0-1,0 1,2 0,5 0,1 1,1-1,0 0,4 0,0 0,1 0,0 0,-18 1,0 1,0 0,0 0,1 0,2 0,1 1,0 0,0-1,0 1,-1 0,0 1,0-1,0 0,-1 1,0 0,0 0,-1 0,0 0,1 0,-3 0,1 0,-1 0,1 0,0 0,0 0,1 0,-1 0,1 0,-1 0,-1 0,-1 0,1 0,-1 0,0 0,17 0,-1 0,0 0,-1 0,-3 0,0 0,-2 0,-1 0,-6 0,-1 0,-1 0,-1 0,-3 0,0 0,-2 0,0 0,20-1,-2-1,-1 0,-8-1,-1 0,-2-2,-4 0,-3-2,-1-1,23-6,-4-1,-10 0,-3 0,-7 0,-2-1,-7 3,0 0,-1 1,0 0,-3-1,0 0,0 0,0-2,2 0,0-1,-3-1,-2 0,-3 1,-3 2,31-10,-24 8,-19 5,-7 1,7-1,10-3,7-2,-6 4,-14 1,-11 4,-8 4,-1-1,4 1,2-1,-2-2,-4-1,-7 0,-4-2,-2-3,3-9,8-17,-6 17,4-5</inkml:trace>
+  <inkml:trace contextRef="#ctx0" brushRef="#br0">0 19,'81'0,"1"0,-1 0,0 0,1 0,5 0,0 0,1 0,1 0,4 0,-4 0,3 0,1 0,2 0,-1 0,0 0,1 0,0 0,1 0,-1 0,-1 0,-2 0,-6 0,-2 0,0 0,-2 0,1 0,-1 0,12 0,1 0,-1 0,-3 0,-1 0,8 0,-2 0,-3 0,-3 0,-12 0,-2 0,-1 0,-3 0,12 0,-2 0,-5 0,15 0,-7 0,-13 0,-2 0,-1 0,-1 0,-3 0,-3 0,-9 0,-4 0,26 0,-23 0,-4 0,16 0,11 0,6 0,-12 0,-17 0,0 0,18 0,-21 0,4 0,10 0,2 0,-2 0,-2 0,37 0,-25 0,-3 0,17 0,-36 0,2 0,0 0,-2 0,30 0,-24 0,-24 0,-12 0,-2 0,5 0,17 0,22 0,14-1,-2-3,-13-1,-17 0,-15 2,-7 3,0 0,3 0,4 0,2 0,-1 0,-3 0,-6 0,-4 0,-1 0,-9 0,1 0</inkml:trace>
 </inkml:ink>
 </file>
 
@@ -955,17 +1207,17 @@
           <inkml:channelProperty channel="Y" name="resolution" value="1000" units="1/cm"/>
         </inkml:channelProperties>
       </inkml:inkSource>
-      <inkml:timestamp xml:id="ts0" timeString="2024-05-14T07:02:38.812"/>
+      <inkml:timestamp xml:id="ts0" timeString="2025-05-12T07:08:04.684"/>
     </inkml:context>
     <inkml:brush xml:id="br0">
       <inkml:brushProperty name="width" value="0.2" units="cm"/>
       <inkml:brushProperty name="height" value="0.4" units="cm"/>
-      <inkml:brushProperty name="color" value="#FFACD5"/>
+      <inkml:brushProperty name="color" value="#00FDFF"/>
       <inkml:brushProperty name="tip" value="rectangle"/>
       <inkml:brushProperty name="rasterOp" value="maskPen"/>
     </inkml:brush>
   </inkml:definitions>
-  <inkml:trace contextRef="#ctx0" brushRef="#br0">0 117,'66'0,"-1"0,1 0,8 0,5 0,2 0,6 0,4 0,2 0,-4 0,3 0,2 0,2 0,0 0,-10 0,1 0,2 0,-1 0,1 0,0 0,0 0,1 0,0 0,-1 0,1 0,-1 0,0 0,-1 0,0 0,0 0,0 0,-1 0,-1 0,0 0,0 0,-1 0,0 0,-1 0,13 0,0 0,-1 0,-1 0,-1 0,-4 0,0 0,-2 0,0 0,-2 0,13 0,-1 1,-2-1,-2-1,-9 1,-1-1,-2-1,-2 0,17 0,-3-2,-3 0,-9-1,-3 0,-2-1,24-3,-4 0,-12 1,-3 1,-8 1,-2-1,-7 3,-2-1,-5 1,-2-1,-4 1,-2 0,41 0,-12 0,-9 3,-10 1,-10 0,-9 0,-9 0,-11 0,-7 0,-6-2,-1-1</inkml:trace>
+  <inkml:trace contextRef="#ctx0" brushRef="#br0">1 74,'90'0,"0"0,0 0,0 0,-12 0,2 0,3 0,2 0,3 0,3 0,-5 0,4 0,2 0,2 0,2 0,1 0,0 0,1 0,-2 0,0 0,2 0,1 0,1 0,0 0,1 0,0 0,0 0,-6 0,2 0,0 0,0 0,1 0,0 0,0 0,0 0,-1 0,-1 0,-2 0,1 0,-1 0,0 0,0 0,-1 0,0 0,-1 0,-2 0,0 0,13 0,-1 0,-1 0,-1 0,-2 0,0 0,-2 0,0 0,1 0,0 0,-1 0,-2 0,-1 0,-2 0,-2 0,-1 0,-2 0,-1 0,-3 0,-1 0,-3 0,22 0,-5 0,-2 0,-2 0,-11 0,-2 0,-3 0,-2 0,4 0,-3 0,-4 0,11 0,-6 0,-21 1,-5-2,23-7,-10-2,11-3,16-1,2 8,-7 1,-22 4,-3 1,4 0,3-4,3 0,-15-1,-25 2,-11 3</inkml:trace>
 </inkml:ink>
 </file>
 
@@ -983,7 +1235,7 @@
           <inkml:channelProperty channel="Y" name="resolution" value="1000" units="1/cm"/>
         </inkml:channelProperties>
       </inkml:inkSource>
-      <inkml:timestamp xml:id="ts0" timeString="2024-05-14T07:02:43.446"/>
+      <inkml:timestamp xml:id="ts0" timeString="2024-05-14T07:01:43.767"/>
     </inkml:context>
     <inkml:brush xml:id="br0">
       <inkml:brushProperty name="width" value="0.2" units="cm"/>
@@ -993,7 +1245,7 @@
       <inkml:brushProperty name="rasterOp" value="maskPen"/>
     </inkml:brush>
   </inkml:definitions>
-  <inkml:trace contextRef="#ctx0" brushRef="#br0">1 1,'84'0,"-28"0,5 0,26 0,8 0,-15 0,5 0,2 0,-13 0,2 0,2 0,0 0,3 0,2 0,0 0,0 0,-2 0,1 0,-2 0,1 0,-2 0,0 0,0 0,-1 0,-1 0,-2 0,1 0,-1 0,1 0,-1 0,0 0,0 0,25 2,0 0,-1 2,-5 1,0 2,-2 0,-1 1,-2 0,0 2,1 1,0 2,-1-1,-3 1,-1 0,1-1,0 0,1-1,-1 0,-1 2,0 0,-1-1,-3 0,0-1,-2 0,-3-1,-2-1,-1 0,-4 0,-3 0,0-1,25 2,-2 0,-5-1,-1 0,-2 1,1-1,-1 1,1-1,0 1,0 0,1-1,1 1,1 2,1-1,2 2,2-2,5-1,1 0,-3-1,0-1,-1-3,-2-1,-8-1,-2-1,-5 1,-1-2,0 0,-1-2,-4 1,-1 0,1 0,-1 0,-6 0,-1 0,-6 0,-1 0,-2 0,-2 0,47-3,2-5,-50 1,2-2,1-1,1-1,1 1,-1-1,-1 0,-2 2,40-4,-21 5,-18 2,-17 3,-13-1,-8 2,1 2,12-2,11-2,5-3,-2 0,-11 2,-12 0,-7 1,-6-4,-4-7,-3-6,3 9,-3-1</inkml:trace>
+  <inkml:trace contextRef="#ctx0" brushRef="#br0">2854 3329,'-52'3,"0"1,-13 0,-6-2,-19-1,-7-5,15-4,-5-4,-2-5,12-1,-2-3,-1-4,0-2,-4-4,-1-4,1-1,1-4,0-2,0-3,3-1,1-1,6 1,2 0,2 0,2-1,-13-10,4-1,2 1,7 1,4 1,2-1,8 5,2 0,4 1,-16-20,6 1,10 7,5 1,9 6,4 0,5 2,4-2,4-9,7-4,10-9,12-4,8 17,10-3,8 1,3 7,7-1,6 0,5 3,1 5,4 1,5 2,3 0,3 2,-3 3,3 1,2 0,3 2,2 1,0 2,-4 4,1 0,2 2,1 1,1 1,1 2,0 1,5 0,2 2,0 2,1 1,1 1,0 1,0 2,1 1,1 1,0 1,1 1,0 2,-1 1,-1 0,-2 2,-1 1,1 1,-1 1,-1 0,0 2,-2 2,8 0,-2 1,0 2,-1 1,-2 2,-2 3,7 2,-2 3,-2 2,-2 4,-3 3,9 6,-2 5,-5 4,-5 7,-7 5,-4 5,-4 6,-5 3,-3 6,-5 5,-4 5,-4 3,-12-10,-3 4,-3 3,-3 1,-2 2,0 7,-4 2,-2 2,-2 1,-1-1,-2 2,-2 1,-2 0,-2 0,-1 0,-1 1,-2 0,-1 1,-2-2,-4-2,-2-7,-2 0,-3-3,-4-1,-6-2,-10 13,-7-3,-7-3,-9-6,1-19,-5-3,-6-4,-5-4,-3-4,-12-2,-5-5,-5-6,-2-2,-1-3,10-6,-2-3,-1-1,-1-3,0-2,2 0,2-3,0-1,0-2,0-1,2-1,2-1,-6 1,1-2,2-1,2 0,3-1,-3-1,2-1,5-1,8 1,-13 0,11 0,-17 0</inkml:trace>
 </inkml:ink>
 </file>
 
@@ -2593,7 +2845,7 @@
           </a:ln>
           <a:extLst>
             <a:ext uri="{C572A759-6A51-4108-AA02-DFA0A04FC94B}">
-              <ma14:wrappingTextBoxFlag xmlns:ma14="http://schemas.microsoft.com/office/mac/drawingml/2011/main" xmlns:a14="http://schemas.microsoft.com/office/drawing/2010/main" xmlns:m="http://schemas.openxmlformats.org/officeDocument/2006/math" xmlns="" val="1"/>
+              <ma14:wrappingTextBoxFlag xmlns="" xmlns:m="http://schemas.openxmlformats.org/officeDocument/2006/math" xmlns:a14="http://schemas.microsoft.com/office/drawing/2010/main" xmlns:ma14="http://schemas.microsoft.com/office/mac/drawingml/2011/main" val="1"/>
             </a:ext>
           </a:extLst>
         </p:spPr>
@@ -2679,7 +2931,7 @@
           </a:ln>
           <a:extLst>
             <a:ext uri="{C572A759-6A51-4108-AA02-DFA0A04FC94B}">
-              <ma14:wrappingTextBoxFlag xmlns:ma14="http://schemas.microsoft.com/office/mac/drawingml/2011/main" xmlns:a14="http://schemas.microsoft.com/office/drawing/2010/main" xmlns:m="http://schemas.openxmlformats.org/officeDocument/2006/math" xmlns="" val="1"/>
+              <ma14:wrappingTextBoxFlag xmlns="" xmlns:m="http://schemas.openxmlformats.org/officeDocument/2006/math" xmlns:a14="http://schemas.microsoft.com/office/drawing/2010/main" xmlns:ma14="http://schemas.microsoft.com/office/mac/drawingml/2011/main" val="1"/>
             </a:ext>
           </a:extLst>
         </p:spPr>
@@ -3715,7 +3967,19 @@
             <a:pPr lvl="1"/>
             <a:r>
               <a:rPr lang="ja-JP" altLang="en-US"/>
-              <a:t>輸送費用には関税も含む</a:t>
+              <a:t>輸送費用には</a:t>
+            </a:r>
+            <a:r>
+              <a:rPr lang="ja-JP" altLang="en-US">
+                <a:highlight>
+                  <a:srgbClr val="FFFF00"/>
+                </a:highlight>
+              </a:rPr>
+              <a:t>関税</a:t>
+            </a:r>
+            <a:r>
+              <a:rPr lang="ja-JP" altLang="en-US"/>
+              <a:t>も含む</a:t>
             </a:r>
             <a:endParaRPr lang="en-US" altLang="ja-JP" dirty="0"/>
           </a:p>
@@ -6223,6 +6487,312 @@
           </a:p>
         </p:txBody>
       </p:sp>
+      <mc:AlternateContent xmlns:mc="http://schemas.openxmlformats.org/markup-compatibility/2006">
+        <mc:Choice xmlns:p14="http://schemas.microsoft.com/office/powerpoint/2010/main" Requires="p14">
+          <p:contentPart p14:bwMode="auto" r:id="rId3">
+            <p14:nvContentPartPr>
+              <p14:cNvPr id="3" name="Ink 2">
+                <a:extLst>
+                  <a:ext uri="{FF2B5EF4-FFF2-40B4-BE49-F238E27FC236}">
+                    <a16:creationId xmlns:a16="http://schemas.microsoft.com/office/drawing/2014/main" id="{252AA6CD-38F4-4333-9877-EE4D5C41659F}"/>
+                  </a:ext>
+                </a:extLst>
+              </p14:cNvPr>
+              <p14:cNvContentPartPr/>
+              <p14:nvPr/>
+            </p14:nvContentPartPr>
+            <p14:xfrm>
+              <a:off x="3705622" y="3086531"/>
+              <a:ext cx="1005120" cy="360"/>
+            </p14:xfrm>
+          </p:contentPart>
+        </mc:Choice>
+        <mc:Fallback>
+          <p:pic>
+            <p:nvPicPr>
+              <p:cNvPr id="3" name="Ink 2">
+                <a:extLst>
+                  <a:ext uri="{FF2B5EF4-FFF2-40B4-BE49-F238E27FC236}">
+                    <a16:creationId xmlns:a16="http://schemas.microsoft.com/office/drawing/2014/main" id="{252AA6CD-38F4-4333-9877-EE4D5C41659F}"/>
+                  </a:ext>
+                </a:extLst>
+              </p:cNvPr>
+              <p:cNvPicPr/>
+              <p:nvPr/>
+            </p:nvPicPr>
+            <p:blipFill>
+              <a:blip r:embed="rId4"/>
+              <a:stretch>
+                <a:fillRect/>
+              </a:stretch>
+            </p:blipFill>
+            <p:spPr>
+              <a:xfrm>
+                <a:off x="3669622" y="3014891"/>
+                <a:ext cx="1076760" cy="144000"/>
+              </a:xfrm>
+              <a:prstGeom prst="rect">
+                <a:avLst/>
+              </a:prstGeom>
+            </p:spPr>
+          </p:pic>
+        </mc:Fallback>
+      </mc:AlternateContent>
+      <mc:AlternateContent xmlns:mc="http://schemas.openxmlformats.org/markup-compatibility/2006">
+        <mc:Choice xmlns:p14="http://schemas.microsoft.com/office/powerpoint/2010/main" Requires="p14">
+          <p:contentPart p14:bwMode="auto" r:id="rId5">
+            <p14:nvContentPartPr>
+              <p14:cNvPr id="5" name="Ink 4">
+                <a:extLst>
+                  <a:ext uri="{FF2B5EF4-FFF2-40B4-BE49-F238E27FC236}">
+                    <a16:creationId xmlns:a16="http://schemas.microsoft.com/office/drawing/2014/main" id="{E276181C-9B4C-43EB-F72B-77714D29820F}"/>
+                  </a:ext>
+                </a:extLst>
+              </p14:cNvPr>
+              <p14:cNvContentPartPr/>
+              <p14:nvPr/>
+            </p14:nvContentPartPr>
+            <p14:xfrm>
+              <a:off x="2500702" y="3602051"/>
+              <a:ext cx="282960" cy="360"/>
+            </p14:xfrm>
+          </p:contentPart>
+        </mc:Choice>
+        <mc:Fallback>
+          <p:pic>
+            <p:nvPicPr>
+              <p:cNvPr id="5" name="Ink 4">
+                <a:extLst>
+                  <a:ext uri="{FF2B5EF4-FFF2-40B4-BE49-F238E27FC236}">
+                    <a16:creationId xmlns:a16="http://schemas.microsoft.com/office/drawing/2014/main" id="{E276181C-9B4C-43EB-F72B-77714D29820F}"/>
+                  </a:ext>
+                </a:extLst>
+              </p:cNvPr>
+              <p:cNvPicPr/>
+              <p:nvPr/>
+            </p:nvPicPr>
+            <p:blipFill>
+              <a:blip r:embed="rId6"/>
+              <a:stretch>
+                <a:fillRect/>
+              </a:stretch>
+            </p:blipFill>
+            <p:spPr>
+              <a:xfrm>
+                <a:off x="2464702" y="3530051"/>
+                <a:ext cx="354600" cy="144000"/>
+              </a:xfrm>
+              <a:prstGeom prst="rect">
+                <a:avLst/>
+              </a:prstGeom>
+            </p:spPr>
+          </p:pic>
+        </mc:Fallback>
+      </mc:AlternateContent>
+      <mc:AlternateContent xmlns:mc="http://schemas.openxmlformats.org/markup-compatibility/2006">
+        <mc:Choice xmlns:p14="http://schemas.microsoft.com/office/powerpoint/2010/main" Requires="p14">
+          <p:contentPart p14:bwMode="auto" r:id="rId7">
+            <p14:nvContentPartPr>
+              <p14:cNvPr id="6" name="Ink 5">
+                <a:extLst>
+                  <a:ext uri="{FF2B5EF4-FFF2-40B4-BE49-F238E27FC236}">
+                    <a16:creationId xmlns:a16="http://schemas.microsoft.com/office/drawing/2014/main" id="{E576CA4B-D72A-CBB3-7D01-156643B092F3}"/>
+                  </a:ext>
+                </a:extLst>
+              </p14:cNvPr>
+              <p14:cNvContentPartPr/>
+              <p14:nvPr/>
+            </p14:nvContentPartPr>
+            <p14:xfrm>
+              <a:off x="3370462" y="6447131"/>
+              <a:ext cx="1183680" cy="13320"/>
+            </p14:xfrm>
+          </p:contentPart>
+        </mc:Choice>
+        <mc:Fallback>
+          <p:pic>
+            <p:nvPicPr>
+              <p:cNvPr id="6" name="Ink 5">
+                <a:extLst>
+                  <a:ext uri="{FF2B5EF4-FFF2-40B4-BE49-F238E27FC236}">
+                    <a16:creationId xmlns:a16="http://schemas.microsoft.com/office/drawing/2014/main" id="{E576CA4B-D72A-CBB3-7D01-156643B092F3}"/>
+                  </a:ext>
+                </a:extLst>
+              </p:cNvPr>
+              <p:cNvPicPr/>
+              <p:nvPr/>
+            </p:nvPicPr>
+            <p:blipFill>
+              <a:blip r:embed="rId8"/>
+              <a:stretch>
+                <a:fillRect/>
+              </a:stretch>
+            </p:blipFill>
+            <p:spPr>
+              <a:xfrm>
+                <a:off x="3334822" y="6375131"/>
+                <a:ext cx="1255320" cy="156960"/>
+              </a:xfrm>
+              <a:prstGeom prst="rect">
+                <a:avLst/>
+              </a:prstGeom>
+            </p:spPr>
+          </p:pic>
+        </mc:Fallback>
+      </mc:AlternateContent>
+      <mc:AlternateContent xmlns:mc="http://schemas.openxmlformats.org/markup-compatibility/2006">
+        <mc:Choice xmlns:p14="http://schemas.microsoft.com/office/powerpoint/2010/main" Requires="p14">
+          <p:contentPart p14:bwMode="auto" r:id="rId9">
+            <p14:nvContentPartPr>
+              <p14:cNvPr id="7" name="Ink 6">
+                <a:extLst>
+                  <a:ext uri="{FF2B5EF4-FFF2-40B4-BE49-F238E27FC236}">
+                    <a16:creationId xmlns:a16="http://schemas.microsoft.com/office/drawing/2014/main" id="{64A90723-3AF7-16A1-6F1C-E66F2A847B2C}"/>
+                  </a:ext>
+                </a:extLst>
+              </p14:cNvPr>
+              <p14:cNvContentPartPr/>
+              <p14:nvPr/>
+            </p14:nvContentPartPr>
+            <p14:xfrm>
+              <a:off x="6157942" y="3090491"/>
+              <a:ext cx="894600" cy="25200"/>
+            </p14:xfrm>
+          </p:contentPart>
+        </mc:Choice>
+        <mc:Fallback>
+          <p:pic>
+            <p:nvPicPr>
+              <p:cNvPr id="7" name="Ink 6">
+                <a:extLst>
+                  <a:ext uri="{FF2B5EF4-FFF2-40B4-BE49-F238E27FC236}">
+                    <a16:creationId xmlns:a16="http://schemas.microsoft.com/office/drawing/2014/main" id="{64A90723-3AF7-16A1-6F1C-E66F2A847B2C}"/>
+                  </a:ext>
+                </a:extLst>
+              </p:cNvPr>
+              <p:cNvPicPr/>
+              <p:nvPr/>
+            </p:nvPicPr>
+            <p:blipFill>
+              <a:blip r:embed="rId10"/>
+              <a:stretch>
+                <a:fillRect/>
+              </a:stretch>
+            </p:blipFill>
+            <p:spPr>
+              <a:xfrm>
+                <a:off x="6122302" y="3018491"/>
+                <a:ext cx="966240" cy="168840"/>
+              </a:xfrm>
+              <a:prstGeom prst="rect">
+                <a:avLst/>
+              </a:prstGeom>
+            </p:spPr>
+          </p:pic>
+        </mc:Fallback>
+      </mc:AlternateContent>
+      <mc:AlternateContent xmlns:mc="http://schemas.openxmlformats.org/markup-compatibility/2006">
+        <mc:Choice xmlns:p14="http://schemas.microsoft.com/office/powerpoint/2010/main" Requires="p14">
+          <p:contentPart p14:bwMode="auto" r:id="rId11">
+            <p14:nvContentPartPr>
+              <p14:cNvPr id="8" name="Ink 7">
+                <a:extLst>
+                  <a:ext uri="{FF2B5EF4-FFF2-40B4-BE49-F238E27FC236}">
+                    <a16:creationId xmlns:a16="http://schemas.microsoft.com/office/drawing/2014/main" id="{0A70AB86-CA80-3034-03B1-73DDD9A26A6D}"/>
+                  </a:ext>
+                </a:extLst>
+              </p14:cNvPr>
+              <p14:cNvContentPartPr/>
+              <p14:nvPr/>
+            </p14:nvContentPartPr>
+            <p14:xfrm>
+              <a:off x="6168382" y="5674571"/>
+              <a:ext cx="954720" cy="36000"/>
+            </p14:xfrm>
+          </p:contentPart>
+        </mc:Choice>
+        <mc:Fallback>
+          <p:pic>
+            <p:nvPicPr>
+              <p:cNvPr id="8" name="Ink 7">
+                <a:extLst>
+                  <a:ext uri="{FF2B5EF4-FFF2-40B4-BE49-F238E27FC236}">
+                    <a16:creationId xmlns:a16="http://schemas.microsoft.com/office/drawing/2014/main" id="{0A70AB86-CA80-3034-03B1-73DDD9A26A6D}"/>
+                  </a:ext>
+                </a:extLst>
+              </p:cNvPr>
+              <p:cNvPicPr/>
+              <p:nvPr/>
+            </p:nvPicPr>
+            <p:blipFill>
+              <a:blip r:embed="rId12"/>
+              <a:stretch>
+                <a:fillRect/>
+              </a:stretch>
+            </p:blipFill>
+            <p:spPr>
+              <a:xfrm>
+                <a:off x="6132382" y="5602931"/>
+                <a:ext cx="1026360" cy="179640"/>
+              </a:xfrm>
+              <a:prstGeom prst="rect">
+                <a:avLst/>
+              </a:prstGeom>
+            </p:spPr>
+          </p:pic>
+        </mc:Fallback>
+      </mc:AlternateContent>
+      <mc:AlternateContent xmlns:mc="http://schemas.openxmlformats.org/markup-compatibility/2006">
+        <mc:Choice xmlns:p14="http://schemas.microsoft.com/office/powerpoint/2010/main" Requires="p14">
+          <p:contentPart p14:bwMode="auto" r:id="rId13">
+            <p14:nvContentPartPr>
+              <p14:cNvPr id="9" name="Ink 8">
+                <a:extLst>
+                  <a:ext uri="{FF2B5EF4-FFF2-40B4-BE49-F238E27FC236}">
+                    <a16:creationId xmlns:a16="http://schemas.microsoft.com/office/drawing/2014/main" id="{452EF7E2-FB96-8561-7DB7-F7BBC8E77F06}"/>
+                  </a:ext>
+                </a:extLst>
+              </p14:cNvPr>
+              <p14:cNvContentPartPr/>
+              <p14:nvPr/>
+            </p14:nvContentPartPr>
+            <p14:xfrm>
+              <a:off x="6665182" y="4201091"/>
+              <a:ext cx="1777680" cy="22320"/>
+            </p14:xfrm>
+          </p:contentPart>
+        </mc:Choice>
+        <mc:Fallback>
+          <p:pic>
+            <p:nvPicPr>
+              <p:cNvPr id="9" name="Ink 8">
+                <a:extLst>
+                  <a:ext uri="{FF2B5EF4-FFF2-40B4-BE49-F238E27FC236}">
+                    <a16:creationId xmlns:a16="http://schemas.microsoft.com/office/drawing/2014/main" id="{452EF7E2-FB96-8561-7DB7-F7BBC8E77F06}"/>
+                  </a:ext>
+                </a:extLst>
+              </p:cNvPr>
+              <p:cNvPicPr/>
+              <p:nvPr/>
+            </p:nvPicPr>
+            <p:blipFill>
+              <a:blip r:embed="rId14"/>
+              <a:stretch>
+                <a:fillRect/>
+              </a:stretch>
+            </p:blipFill>
+            <p:spPr>
+              <a:xfrm>
+                <a:off x="6629182" y="4129451"/>
+                <a:ext cx="1849320" cy="165960"/>
+              </a:xfrm>
+              <a:prstGeom prst="rect">
+                <a:avLst/>
+              </a:prstGeom>
+            </p:spPr>
+          </p:pic>
+        </mc:Fallback>
+      </mc:AlternateContent>
     </p:spTree>
     <p:extLst>
       <p:ext uri="{BB962C8B-B14F-4D97-AF65-F5344CB8AC3E}">
@@ -7574,10 +8144,20 @@
             </a:r>
             <a:r>
               <a:rPr lang="en-JP" sz="4000" dirty="0">
+                <a:highlight>
+                  <a:srgbClr val="FFFF00"/>
+                </a:highlight>
                 <a:latin typeface="MS PGothic" panose="020B0600070205080204" pitchFamily="34" charset="-128"/>
                 <a:ea typeface="MS PGothic" panose="020B0600070205080204" pitchFamily="34" charset="-128"/>
               </a:rPr>
-              <a:t>製造工場の国内回帰 (reshoring)が注目される</a:t>
+              <a:t>製造工場の国内回帰 (reshoring)</a:t>
+            </a:r>
+            <a:r>
+              <a:rPr lang="en-JP" sz="4000" dirty="0">
+                <a:latin typeface="MS PGothic" panose="020B0600070205080204" pitchFamily="34" charset="-128"/>
+                <a:ea typeface="MS PGothic" panose="020B0600070205080204" pitchFamily="34" charset="-128"/>
+              </a:rPr>
+              <a:t>が注目される</a:t>
             </a:r>
           </a:p>
           <a:p>
@@ -7826,7 +8406,24 @@
                 <a:latin typeface="MS PGothic" panose="020B0600070205080204" pitchFamily="34" charset="-128"/>
                 <a:ea typeface="MS PGothic" panose="020B0600070205080204" pitchFamily="34" charset="-128"/>
               </a:rPr>
-              <a:t>財の国際貿易が拡大。財レベ ルの国際分業発展。</a:t>
+              <a:t>財の国際貿易が拡大。</a:t>
+            </a:r>
+            <a:r>
+              <a:rPr lang="en-JP" sz="4000" dirty="0">
+                <a:solidFill>
+                  <a:srgbClr val="FF0000"/>
+                </a:solidFill>
+                <a:latin typeface="MS PGothic" panose="020B0600070205080204" pitchFamily="34" charset="-128"/>
+                <a:ea typeface="MS PGothic" panose="020B0600070205080204" pitchFamily="34" charset="-128"/>
+              </a:rPr>
+              <a:t>財レベ ルの国際分業発展</a:t>
+            </a:r>
+            <a:r>
+              <a:rPr lang="en-JP" sz="4000" dirty="0">
+                <a:latin typeface="MS PGothic" panose="020B0600070205080204" pitchFamily="34" charset="-128"/>
+                <a:ea typeface="MS PGothic" panose="020B0600070205080204" pitchFamily="34" charset="-128"/>
+              </a:rPr>
+              <a:t>。</a:t>
             </a:r>
           </a:p>
           <a:p>
@@ -7860,7 +8457,17 @@
                 <a:latin typeface="MS PGothic" panose="020B0600070205080204" pitchFamily="34" charset="-128"/>
                 <a:ea typeface="MS PGothic" panose="020B0600070205080204" pitchFamily="34" charset="-128"/>
               </a:rPr>
-              <a:t>情報通信技術(ICT)の発達などで，通信費用が低下</a:t>
+              <a:t>情報通信技術(ICT)の発達などで，</a:t>
+            </a:r>
+            <a:r>
+              <a:rPr lang="en-JP" sz="4000" dirty="0">
+                <a:solidFill>
+                  <a:srgbClr val="FF0000"/>
+                </a:solidFill>
+                <a:latin typeface="MS PGothic" panose="020B0600070205080204" pitchFamily="34" charset="-128"/>
+                <a:ea typeface="MS PGothic" panose="020B0600070205080204" pitchFamily="34" charset="-128"/>
+              </a:rPr>
+              <a:t>通信費用が低下</a:t>
             </a:r>
           </a:p>
           <a:p>
@@ -7907,10 +8514,20 @@
             </a:r>
             <a:r>
               <a:rPr lang="en-JP" sz="4000" dirty="0">
+                <a:solidFill>
+                  <a:srgbClr val="FF0000"/>
+                </a:solidFill>
                 <a:latin typeface="MS PGothic" panose="020B0600070205080204" pitchFamily="34" charset="-128"/>
                 <a:ea typeface="MS PGothic" panose="020B0600070205080204" pitchFamily="34" charset="-128"/>
               </a:rPr>
-              <a:t>生産工程レベルの国際分業発展。生産工程の断片化(fragmentation)。</a:t>
+              <a:t>生産工程レベルの国際分業発展</a:t>
+            </a:r>
+            <a:r>
+              <a:rPr lang="en-JP" sz="4000" dirty="0">
+                <a:latin typeface="MS PGothic" panose="020B0600070205080204" pitchFamily="34" charset="-128"/>
+                <a:ea typeface="MS PGothic" panose="020B0600070205080204" pitchFamily="34" charset="-128"/>
+              </a:rPr>
+              <a:t>。生産工程の断片化(fragmentation)。</a:t>
             </a:r>
           </a:p>
         </p:txBody>
@@ -8012,8 +8629,16 @@
               <a:buNone/>
             </a:pPr>
             <a:r>
-              <a:rPr lang="ja-JP" altLang="en-US"/>
-              <a:t>ジーン・グロスマンらの論文</a:t>
+              <a:rPr lang="ja-JP" altLang="en-US">
+                <a:highlight>
+                  <a:srgbClr val="FFFF00"/>
+                </a:highlight>
+              </a:rPr>
+              <a:t>ジーン・グロスマン</a:t>
+            </a:r>
+            <a:r>
+              <a:rPr lang="ja-JP" altLang="en-US"/>
+              <a:t>らの論文</a:t>
             </a:r>
             <a:endParaRPr lang="en-US" altLang="ja-JP" dirty="0"/>
           </a:p>
@@ -8108,7 +8733,7 @@
               <a:t>貿易</a:t>
             </a:r>
             <a:r>
-              <a:rPr lang="en-US" altLang="zh-CN" dirty="0">
+              <a:rPr lang="en-US" altLang="zh-CN" u="sng" dirty="0">
                 <a:highlight>
                   <a:srgbClr val="FFFF00"/>
                 </a:highlight>
@@ -8116,14 +8741,14 @@
               <a:t>(</a:t>
             </a:r>
             <a:r>
-              <a:rPr lang="en-US" dirty="0">
+              <a:rPr lang="en-US" u="sng" dirty="0">
                 <a:highlight>
                   <a:srgbClr val="FFFF00"/>
                 </a:highlight>
               </a:rPr>
               <a:t>trade in tasks)</a:t>
             </a:r>
-            <a:endParaRPr lang="en-US" altLang="ja-JP" dirty="0">
+            <a:endParaRPr lang="en-US" altLang="ja-JP" u="sng" dirty="0">
               <a:highlight>
                 <a:srgbClr val="FFFF00"/>
               </a:highlight>
@@ -8485,8 +9110,8 @@
           </a:p>
         </p:txBody>
       </p:sp>
-      <mc:AlternateContent xmlns:mc="http://schemas.openxmlformats.org/markup-compatibility/2006">
-        <mc:Choice xmlns:p14="http://schemas.microsoft.com/office/powerpoint/2010/main" Requires="p14">
+      <mc:AlternateContent xmlns:mc="http://schemas.openxmlformats.org/markup-compatibility/2006" xmlns:p14="http://schemas.microsoft.com/office/powerpoint/2010/main">
+        <mc:Choice Requires="p14">
           <p:contentPart p14:bwMode="auto" r:id="rId3">
             <p14:nvContentPartPr>
               <p14:cNvPr id="3" name="Ink 2">
@@ -8505,7 +9130,7 @@
             </p14:xfrm>
           </p:contentPart>
         </mc:Choice>
-        <mc:Fallback>
+        <mc:Fallback xmlns="">
           <p:pic>
             <p:nvPicPr>
               <p:cNvPr id="3" name="Ink 2">
@@ -8536,8 +9161,8 @@
           </p:pic>
         </mc:Fallback>
       </mc:AlternateContent>
-      <mc:AlternateContent xmlns:mc="http://schemas.openxmlformats.org/markup-compatibility/2006">
-        <mc:Choice xmlns:p14="http://schemas.microsoft.com/office/powerpoint/2010/main" Requires="p14">
+      <mc:AlternateContent xmlns:mc="http://schemas.openxmlformats.org/markup-compatibility/2006" xmlns:p14="http://schemas.microsoft.com/office/powerpoint/2010/main">
+        <mc:Choice Requires="p14">
           <p:contentPart p14:bwMode="auto" r:id="rId5">
             <p14:nvContentPartPr>
               <p14:cNvPr id="4" name="Ink 3">
@@ -8556,7 +9181,7 @@
             </p14:xfrm>
           </p:contentPart>
         </mc:Choice>
-        <mc:Fallback>
+        <mc:Fallback xmlns="">
           <p:pic>
             <p:nvPicPr>
               <p:cNvPr id="4" name="Ink 3">
@@ -8587,8 +9212,8 @@
           </p:pic>
         </mc:Fallback>
       </mc:AlternateContent>
-      <mc:AlternateContent xmlns:mc="http://schemas.openxmlformats.org/markup-compatibility/2006">
-        <mc:Choice xmlns:p14="http://schemas.microsoft.com/office/powerpoint/2010/main" Requires="p14">
+      <mc:AlternateContent xmlns:mc="http://schemas.openxmlformats.org/markup-compatibility/2006" xmlns:p14="http://schemas.microsoft.com/office/powerpoint/2010/main">
+        <mc:Choice Requires="p14">
           <p:contentPart p14:bwMode="auto" r:id="rId7">
             <p14:nvContentPartPr>
               <p14:cNvPr id="5" name="Ink 4">
@@ -8607,7 +9232,7 @@
             </p14:xfrm>
           </p:contentPart>
         </mc:Choice>
-        <mc:Fallback>
+        <mc:Fallback xmlns="">
           <p:pic>
             <p:nvPicPr>
               <p:cNvPr id="5" name="Ink 4">
@@ -8638,8 +9263,8 @@
           </p:pic>
         </mc:Fallback>
       </mc:AlternateContent>
-      <mc:AlternateContent xmlns:mc="http://schemas.openxmlformats.org/markup-compatibility/2006">
-        <mc:Choice xmlns:p14="http://schemas.microsoft.com/office/powerpoint/2010/main" Requires="p14">
+      <mc:AlternateContent xmlns:mc="http://schemas.openxmlformats.org/markup-compatibility/2006" xmlns:p14="http://schemas.microsoft.com/office/powerpoint/2010/main">
+        <mc:Choice Requires="p14">
           <p:contentPart p14:bwMode="auto" r:id="rId9">
             <p14:nvContentPartPr>
               <p14:cNvPr id="7" name="Ink 6">
@@ -8658,7 +9283,7 @@
             </p14:xfrm>
           </p:contentPart>
         </mc:Choice>
-        <mc:Fallback>
+        <mc:Fallback xmlns="">
           <p:pic>
             <p:nvPicPr>
               <p:cNvPr id="7" name="Ink 6">
@@ -8689,8 +9314,8 @@
           </p:pic>
         </mc:Fallback>
       </mc:AlternateContent>
-      <mc:AlternateContent xmlns:mc="http://schemas.openxmlformats.org/markup-compatibility/2006">
-        <mc:Choice xmlns:p14="http://schemas.microsoft.com/office/powerpoint/2010/main" Requires="p14">
+      <mc:AlternateContent xmlns:mc="http://schemas.openxmlformats.org/markup-compatibility/2006" xmlns:p14="http://schemas.microsoft.com/office/powerpoint/2010/main">
+        <mc:Choice Requires="p14">
           <p:contentPart p14:bwMode="auto" r:id="rId11">
             <p14:nvContentPartPr>
               <p14:cNvPr id="9" name="Ink 8">
@@ -8709,7 +9334,7 @@
             </p14:xfrm>
           </p:contentPart>
         </mc:Choice>
-        <mc:Fallback>
+        <mc:Fallback xmlns="">
           <p:pic>
             <p:nvPicPr>
               <p:cNvPr id="9" name="Ink 8">
@@ -8740,8 +9365,8 @@
           </p:pic>
         </mc:Fallback>
       </mc:AlternateContent>
-      <mc:AlternateContent xmlns:mc="http://schemas.openxmlformats.org/markup-compatibility/2006">
-        <mc:Choice xmlns:p14="http://schemas.microsoft.com/office/powerpoint/2010/main" Requires="p14">
+      <mc:AlternateContent xmlns:mc="http://schemas.openxmlformats.org/markup-compatibility/2006" xmlns:p14="http://schemas.microsoft.com/office/powerpoint/2010/main">
+        <mc:Choice Requires="p14">
           <p:contentPart p14:bwMode="auto" r:id="rId13">
             <p14:nvContentPartPr>
               <p14:cNvPr id="10" name="Ink 9">
@@ -8760,7 +9385,7 @@
             </p14:xfrm>
           </p:contentPart>
         </mc:Choice>
-        <mc:Fallback>
+        <mc:Fallback xmlns="">
           <p:pic>
             <p:nvPicPr>
               <p:cNvPr id="10" name="Ink 9">
@@ -8791,8 +9416,8 @@
           </p:pic>
         </mc:Fallback>
       </mc:AlternateContent>
-      <mc:AlternateContent xmlns:mc="http://schemas.openxmlformats.org/markup-compatibility/2006">
-        <mc:Choice xmlns:p14="http://schemas.microsoft.com/office/powerpoint/2010/main" Requires="p14">
+      <mc:AlternateContent xmlns:mc="http://schemas.openxmlformats.org/markup-compatibility/2006" xmlns:p14="http://schemas.microsoft.com/office/powerpoint/2010/main">
+        <mc:Choice Requires="p14">
           <p:contentPart p14:bwMode="auto" r:id="rId15">
             <p14:nvContentPartPr>
               <p14:cNvPr id="11" name="Ink 10">
@@ -8811,7 +9436,7 @@
             </p14:xfrm>
           </p:contentPart>
         </mc:Choice>
-        <mc:Fallback>
+        <mc:Fallback xmlns="">
           <p:pic>
             <p:nvPicPr>
               <p:cNvPr id="11" name="Ink 10">
@@ -9164,8 +9789,8 @@
           </a:p>
         </p:txBody>
       </p:sp>
-      <mc:AlternateContent xmlns:mc="http://schemas.openxmlformats.org/markup-compatibility/2006">
-        <mc:Choice xmlns:p14="http://schemas.microsoft.com/office/powerpoint/2010/main" Requires="p14">
+      <mc:AlternateContent xmlns:mc="http://schemas.openxmlformats.org/markup-compatibility/2006" xmlns:p14="http://schemas.microsoft.com/office/powerpoint/2010/main">
+        <mc:Choice Requires="p14">
           <p:contentPart p14:bwMode="auto" r:id="rId2">
             <p14:nvContentPartPr>
               <p14:cNvPr id="4" name="Ink 3">
@@ -9184,7 +9809,7 @@
             </p14:xfrm>
           </p:contentPart>
         </mc:Choice>
-        <mc:Fallback>
+        <mc:Fallback xmlns="">
           <p:pic>
             <p:nvPicPr>
               <p:cNvPr id="4" name="Ink 3">
@@ -9215,8 +9840,8 @@
           </p:pic>
         </mc:Fallback>
       </mc:AlternateContent>
-      <mc:AlternateContent xmlns:mc="http://schemas.openxmlformats.org/markup-compatibility/2006">
-        <mc:Choice xmlns:p14="http://schemas.microsoft.com/office/powerpoint/2010/main" Requires="p14">
+      <mc:AlternateContent xmlns:mc="http://schemas.openxmlformats.org/markup-compatibility/2006" xmlns:p14="http://schemas.microsoft.com/office/powerpoint/2010/main">
+        <mc:Choice Requires="p14">
           <p:contentPart p14:bwMode="auto" r:id="rId4">
             <p14:nvContentPartPr>
               <p14:cNvPr id="6" name="Ink 5">
@@ -9235,7 +9860,7 @@
             </p14:xfrm>
           </p:contentPart>
         </mc:Choice>
-        <mc:Fallback>
+        <mc:Fallback xmlns="">
           <p:pic>
             <p:nvPicPr>
               <p:cNvPr id="6" name="Ink 5">
@@ -9362,8 +9987,8 @@
           </a:p>
         </p:txBody>
       </p:sp>
-      <mc:AlternateContent xmlns:mc="http://schemas.openxmlformats.org/markup-compatibility/2006">
-        <mc:Choice xmlns:p14="http://schemas.microsoft.com/office/powerpoint/2010/main" Requires="p14">
+      <mc:AlternateContent xmlns:mc="http://schemas.openxmlformats.org/markup-compatibility/2006" xmlns:p14="http://schemas.microsoft.com/office/powerpoint/2010/main">
+        <mc:Choice Requires="p14">
           <p:contentPart p14:bwMode="auto" r:id="rId3">
             <p14:nvContentPartPr>
               <p14:cNvPr id="3" name="Ink 2">
@@ -9382,7 +10007,7 @@
             </p14:xfrm>
           </p:contentPart>
         </mc:Choice>
-        <mc:Fallback>
+        <mc:Fallback xmlns="">
           <p:pic>
             <p:nvPicPr>
               <p:cNvPr id="3" name="Ink 2">
@@ -9413,8 +10038,8 @@
           </p:pic>
         </mc:Fallback>
       </mc:AlternateContent>
-      <mc:AlternateContent xmlns:mc="http://schemas.openxmlformats.org/markup-compatibility/2006">
-        <mc:Choice xmlns:p14="http://schemas.microsoft.com/office/powerpoint/2010/main" Requires="p14">
+      <mc:AlternateContent xmlns:mc="http://schemas.openxmlformats.org/markup-compatibility/2006" xmlns:p14="http://schemas.microsoft.com/office/powerpoint/2010/main">
+        <mc:Choice Requires="p14">
           <p:contentPart p14:bwMode="auto" r:id="rId5">
             <p14:nvContentPartPr>
               <p14:cNvPr id="4" name="Ink 3">
@@ -9433,7 +10058,7 @@
             </p14:xfrm>
           </p:contentPart>
         </mc:Choice>
-        <mc:Fallback>
+        <mc:Fallback xmlns="">
           <p:pic>
             <p:nvPicPr>
               <p:cNvPr id="4" name="Ink 3">
@@ -9464,8 +10089,8 @@
           </p:pic>
         </mc:Fallback>
       </mc:AlternateContent>
-      <mc:AlternateContent xmlns:mc="http://schemas.openxmlformats.org/markup-compatibility/2006">
-        <mc:Choice xmlns:p14="http://schemas.microsoft.com/office/powerpoint/2010/main" Requires="p14">
+      <mc:AlternateContent xmlns:mc="http://schemas.openxmlformats.org/markup-compatibility/2006" xmlns:p14="http://schemas.microsoft.com/office/powerpoint/2010/main">
+        <mc:Choice Requires="p14">
           <p:contentPart p14:bwMode="auto" r:id="rId7">
             <p14:nvContentPartPr>
               <p14:cNvPr id="5" name="Ink 4">
@@ -9484,7 +10109,7 @@
             </p14:xfrm>
           </p:contentPart>
         </mc:Choice>
-        <mc:Fallback>
+        <mc:Fallback xmlns="">
           <p:pic>
             <p:nvPicPr>
               <p:cNvPr id="5" name="Ink 4">
@@ -9515,8 +10140,8 @@
           </p:pic>
         </mc:Fallback>
       </mc:AlternateContent>
-      <mc:AlternateContent xmlns:mc="http://schemas.openxmlformats.org/markup-compatibility/2006">
-        <mc:Choice xmlns:p14="http://schemas.microsoft.com/office/powerpoint/2010/main" Requires="p14">
+      <mc:AlternateContent xmlns:mc="http://schemas.openxmlformats.org/markup-compatibility/2006" xmlns:p14="http://schemas.microsoft.com/office/powerpoint/2010/main">
+        <mc:Choice Requires="p14">
           <p:contentPart p14:bwMode="auto" r:id="rId9">
             <p14:nvContentPartPr>
               <p14:cNvPr id="7" name="Ink 6">
@@ -9535,7 +10160,7 @@
             </p14:xfrm>
           </p:contentPart>
         </mc:Choice>
-        <mc:Fallback>
+        <mc:Fallback xmlns="">
           <p:pic>
             <p:nvPicPr>
               <p:cNvPr id="7" name="Ink 6">
@@ -9566,8 +10191,8 @@
           </p:pic>
         </mc:Fallback>
       </mc:AlternateContent>
-      <mc:AlternateContent xmlns:mc="http://schemas.openxmlformats.org/markup-compatibility/2006">
-        <mc:Choice xmlns:p14="http://schemas.microsoft.com/office/powerpoint/2010/main" Requires="p14">
+      <mc:AlternateContent xmlns:mc="http://schemas.openxmlformats.org/markup-compatibility/2006" xmlns:p14="http://schemas.microsoft.com/office/powerpoint/2010/main">
+        <mc:Choice Requires="p14">
           <p:contentPart p14:bwMode="auto" r:id="rId11">
             <p14:nvContentPartPr>
               <p14:cNvPr id="8" name="Ink 7">
@@ -9586,7 +10211,7 @@
             </p14:xfrm>
           </p:contentPart>
         </mc:Choice>
-        <mc:Fallback>
+        <mc:Fallback xmlns="">
           <p:pic>
             <p:nvPicPr>
               <p:cNvPr id="8" name="Ink 7">
@@ -9617,8 +10242,8 @@
           </p:pic>
         </mc:Fallback>
       </mc:AlternateContent>
-      <mc:AlternateContent xmlns:mc="http://schemas.openxmlformats.org/markup-compatibility/2006">
-        <mc:Choice xmlns:p14="http://schemas.microsoft.com/office/powerpoint/2010/main" Requires="p14">
+      <mc:AlternateContent xmlns:mc="http://schemas.openxmlformats.org/markup-compatibility/2006" xmlns:p14="http://schemas.microsoft.com/office/powerpoint/2010/main">
+        <mc:Choice Requires="p14">
           <p:contentPart p14:bwMode="auto" r:id="rId13">
             <p14:nvContentPartPr>
               <p14:cNvPr id="9" name="Ink 8">
@@ -9637,7 +10262,7 @@
             </p14:xfrm>
           </p:contentPart>
         </mc:Choice>
-        <mc:Fallback>
+        <mc:Fallback xmlns="">
           <p:pic>
             <p:nvPicPr>
               <p:cNvPr id="9" name="Ink 8">
@@ -9668,8 +10293,8 @@
           </p:pic>
         </mc:Fallback>
       </mc:AlternateContent>
-      <mc:AlternateContent xmlns:mc="http://schemas.openxmlformats.org/markup-compatibility/2006">
-        <mc:Choice xmlns:p14="http://schemas.microsoft.com/office/powerpoint/2010/main" Requires="p14">
+      <mc:AlternateContent xmlns:mc="http://schemas.openxmlformats.org/markup-compatibility/2006" xmlns:p14="http://schemas.microsoft.com/office/powerpoint/2010/main">
+        <mc:Choice Requires="p14">
           <p:contentPart p14:bwMode="auto" r:id="rId15">
             <p14:nvContentPartPr>
               <p14:cNvPr id="10" name="Ink 9">
@@ -9688,7 +10313,7 @@
             </p14:xfrm>
           </p:contentPart>
         </mc:Choice>
-        <mc:Fallback>
+        <mc:Fallback xmlns="">
           <p:pic>
             <p:nvPicPr>
               <p:cNvPr id="10" name="Ink 9">
@@ -9719,8 +10344,8 @@
           </p:pic>
         </mc:Fallback>
       </mc:AlternateContent>
-      <mc:AlternateContent xmlns:mc="http://schemas.openxmlformats.org/markup-compatibility/2006">
-        <mc:Choice xmlns:p14="http://schemas.microsoft.com/office/powerpoint/2010/main" Requires="p14">
+      <mc:AlternateContent xmlns:mc="http://schemas.openxmlformats.org/markup-compatibility/2006" xmlns:p14="http://schemas.microsoft.com/office/powerpoint/2010/main">
+        <mc:Choice Requires="p14">
           <p:contentPart p14:bwMode="auto" r:id="rId17">
             <p14:nvContentPartPr>
               <p14:cNvPr id="11" name="Ink 10">
@@ -9739,7 +10364,7 @@
             </p14:xfrm>
           </p:contentPart>
         </mc:Choice>
-        <mc:Fallback>
+        <mc:Fallback xmlns="">
           <p:pic>
             <p:nvPicPr>
               <p:cNvPr id="11" name="Ink 10">
@@ -9770,8 +10395,8 @@
           </p:pic>
         </mc:Fallback>
       </mc:AlternateContent>
-      <mc:AlternateContent xmlns:mc="http://schemas.openxmlformats.org/markup-compatibility/2006">
-        <mc:Choice xmlns:p14="http://schemas.microsoft.com/office/powerpoint/2010/main" Requires="p14">
+      <mc:AlternateContent xmlns:mc="http://schemas.openxmlformats.org/markup-compatibility/2006" xmlns:p14="http://schemas.microsoft.com/office/powerpoint/2010/main">
+        <mc:Choice Requires="p14">
           <p:contentPart p14:bwMode="auto" r:id="rId19">
             <p14:nvContentPartPr>
               <p14:cNvPr id="12" name="Ink 11">
@@ -9790,7 +10415,7 @@
             </p14:xfrm>
           </p:contentPart>
         </mc:Choice>
-        <mc:Fallback>
+        <mc:Fallback xmlns="">
           <p:pic>
             <p:nvPicPr>
               <p:cNvPr id="12" name="Ink 11">
@@ -9821,8 +10446,8 @@
           </p:pic>
         </mc:Fallback>
       </mc:AlternateContent>
-      <mc:AlternateContent xmlns:mc="http://schemas.openxmlformats.org/markup-compatibility/2006">
-        <mc:Choice xmlns:p14="http://schemas.microsoft.com/office/powerpoint/2010/main" Requires="p14">
+      <mc:AlternateContent xmlns:mc="http://schemas.openxmlformats.org/markup-compatibility/2006" xmlns:p14="http://schemas.microsoft.com/office/powerpoint/2010/main">
+        <mc:Choice Requires="p14">
           <p:contentPart p14:bwMode="auto" r:id="rId21">
             <p14:nvContentPartPr>
               <p14:cNvPr id="13" name="Ink 12">
@@ -9841,7 +10466,7 @@
             </p14:xfrm>
           </p:contentPart>
         </mc:Choice>
-        <mc:Fallback>
+        <mc:Fallback xmlns="">
           <p:pic>
             <p:nvPicPr>
               <p:cNvPr id="13" name="Ink 12">
@@ -9872,8 +10497,8 @@
           </p:pic>
         </mc:Fallback>
       </mc:AlternateContent>
-      <mc:AlternateContent xmlns:mc="http://schemas.openxmlformats.org/markup-compatibility/2006">
-        <mc:Choice xmlns:p14="http://schemas.microsoft.com/office/powerpoint/2010/main" Requires="p14">
+      <mc:AlternateContent xmlns:mc="http://schemas.openxmlformats.org/markup-compatibility/2006" xmlns:p14="http://schemas.microsoft.com/office/powerpoint/2010/main">
+        <mc:Choice Requires="p14">
           <p:contentPart p14:bwMode="auto" r:id="rId23">
             <p14:nvContentPartPr>
               <p14:cNvPr id="14" name="Ink 13">
@@ -9892,7 +10517,7 @@
             </p14:xfrm>
           </p:contentPart>
         </mc:Choice>
-        <mc:Fallback>
+        <mc:Fallback xmlns="">
           <p:pic>
             <p:nvPicPr>
               <p:cNvPr id="14" name="Ink 13">
@@ -9923,8 +10548,8 @@
           </p:pic>
         </mc:Fallback>
       </mc:AlternateContent>
-      <mc:AlternateContent xmlns:mc="http://schemas.openxmlformats.org/markup-compatibility/2006">
-        <mc:Choice xmlns:p14="http://schemas.microsoft.com/office/powerpoint/2010/main" Requires="p14">
+      <mc:AlternateContent xmlns:mc="http://schemas.openxmlformats.org/markup-compatibility/2006" xmlns:p14="http://schemas.microsoft.com/office/powerpoint/2010/main">
+        <mc:Choice Requires="p14">
           <p:contentPart p14:bwMode="auto" r:id="rId25">
             <p14:nvContentPartPr>
               <p14:cNvPr id="15" name="Ink 14">
@@ -9943,7 +10568,7 @@
             </p14:xfrm>
           </p:contentPart>
         </mc:Choice>
-        <mc:Fallback>
+        <mc:Fallback xmlns="">
           <p:pic>
             <p:nvPicPr>
               <p:cNvPr id="15" name="Ink 14">
@@ -10545,8 +11170,16 @@
               <a:buNone/>
             </a:pPr>
             <a:r>
+              <a:rPr lang="zh-CN" altLang="en-US" u="sng" dirty="0">
+                <a:solidFill>
+                  <a:srgbClr val="FF0000"/>
+                </a:solidFill>
+              </a:rPr>
+              <a:t>対外</a:t>
+            </a:r>
+            <a:r>
               <a:rPr lang="zh-CN" altLang="en-US" u="sng" dirty="0"/>
-              <a:t>対外外国直接投資</a:t>
+              <a:t>外国直接投資</a:t>
             </a:r>
             <a:endParaRPr lang="en-US" altLang="zh-CN" u="sng" dirty="0"/>
           </a:p>
@@ -10581,8 +11214,16 @@
               <a:buNone/>
             </a:pPr>
             <a:r>
+              <a:rPr lang="zh-CN" altLang="en-US" u="sng" dirty="0">
+                <a:solidFill>
+                  <a:srgbClr val="FF0000"/>
+                </a:solidFill>
+              </a:rPr>
+              <a:t>対内</a:t>
+            </a:r>
+            <a:r>
               <a:rPr lang="zh-CN" altLang="en-US" u="sng" dirty="0"/>
-              <a:t>対内外国直接投資</a:t>
+              <a:t>外国直接投資</a:t>
             </a:r>
             <a:endParaRPr lang="en-US" altLang="zh-CN" u="sng" dirty="0"/>
           </a:p>
@@ -10800,8 +11441,8 @@
           </a:p>
         </p:txBody>
       </p:sp>
-      <mc:AlternateContent xmlns:mc="http://schemas.openxmlformats.org/markup-compatibility/2006">
-        <mc:Choice xmlns:p14="http://schemas.microsoft.com/office/powerpoint/2010/main" Requires="p14">
+      <mc:AlternateContent xmlns:mc="http://schemas.openxmlformats.org/markup-compatibility/2006" xmlns:p14="http://schemas.microsoft.com/office/powerpoint/2010/main">
+        <mc:Choice Requires="p14">
           <p:contentPart p14:bwMode="auto" r:id="rId3">
             <p14:nvContentPartPr>
               <p14:cNvPr id="4" name="Ink 3">
@@ -10820,7 +11461,7 @@
             </p14:xfrm>
           </p:contentPart>
         </mc:Choice>
-        <mc:Fallback>
+        <mc:Fallback xmlns="">
           <p:pic>
             <p:nvPicPr>
               <p:cNvPr id="4" name="Ink 3">
@@ -10851,8 +11492,8 @@
           </p:pic>
         </mc:Fallback>
       </mc:AlternateContent>
-      <mc:AlternateContent xmlns:mc="http://schemas.openxmlformats.org/markup-compatibility/2006">
-        <mc:Choice xmlns:p14="http://schemas.microsoft.com/office/powerpoint/2010/main" Requires="p14">
+      <mc:AlternateContent xmlns:mc="http://schemas.openxmlformats.org/markup-compatibility/2006" xmlns:p14="http://schemas.microsoft.com/office/powerpoint/2010/main">
+        <mc:Choice Requires="p14">
           <p:contentPart p14:bwMode="auto" r:id="rId5">
             <p14:nvContentPartPr>
               <p14:cNvPr id="5" name="Ink 4">
@@ -10871,7 +11512,7 @@
             </p14:xfrm>
           </p:contentPart>
         </mc:Choice>
-        <mc:Fallback>
+        <mc:Fallback xmlns="">
           <p:pic>
             <p:nvPicPr>
               <p:cNvPr id="5" name="Ink 4">
@@ -10894,6 +11535,57 @@
               <a:xfrm>
                 <a:off x="8640000" y="7381493"/>
                 <a:ext cx="562680" cy="161640"/>
+              </a:xfrm>
+              <a:prstGeom prst="rect">
+                <a:avLst/>
+              </a:prstGeom>
+            </p:spPr>
+          </p:pic>
+        </mc:Fallback>
+      </mc:AlternateContent>
+      <mc:AlternateContent xmlns:mc="http://schemas.openxmlformats.org/markup-compatibility/2006">
+        <mc:Choice xmlns:p14="http://schemas.microsoft.com/office/powerpoint/2010/main" Requires="p14">
+          <p:contentPart p14:bwMode="auto" r:id="rId7">
+            <p14:nvContentPartPr>
+              <p14:cNvPr id="7" name="Ink 6">
+                <a:extLst>
+                  <a:ext uri="{FF2B5EF4-FFF2-40B4-BE49-F238E27FC236}">
+                    <a16:creationId xmlns:a16="http://schemas.microsoft.com/office/drawing/2014/main" id="{0B5BCBCF-520B-4AE4-1854-11A8FC8D6548}"/>
+                  </a:ext>
+                </a:extLst>
+              </p14:cNvPr>
+              <p14:cNvContentPartPr/>
+              <p14:nvPr/>
+            </p14:nvContentPartPr>
+            <p14:xfrm>
+              <a:off x="13490782" y="7459451"/>
+              <a:ext cx="866160" cy="360"/>
+            </p14:xfrm>
+          </p:contentPart>
+        </mc:Choice>
+        <mc:Fallback>
+          <p:pic>
+            <p:nvPicPr>
+              <p:cNvPr id="7" name="Ink 6">
+                <a:extLst>
+                  <a:ext uri="{FF2B5EF4-FFF2-40B4-BE49-F238E27FC236}">
+                    <a16:creationId xmlns:a16="http://schemas.microsoft.com/office/drawing/2014/main" id="{0B5BCBCF-520B-4AE4-1854-11A8FC8D6548}"/>
+                  </a:ext>
+                </a:extLst>
+              </p:cNvPr>
+              <p:cNvPicPr/>
+              <p:nvPr/>
+            </p:nvPicPr>
+            <p:blipFill>
+              <a:blip r:embed="rId8"/>
+              <a:stretch>
+                <a:fillRect/>
+              </a:stretch>
+            </p:blipFill>
+            <p:spPr>
+              <a:xfrm>
+                <a:off x="13455142" y="7387451"/>
+                <a:ext cx="937800" cy="144000"/>
               </a:xfrm>
               <a:prstGeom prst="rect">
                 <a:avLst/>
@@ -11015,9 +11707,21 @@
           <a:p>
             <a:r>
               <a:rPr lang="ja-JP" altLang="en-US"/>
-              <a:t>内資企業に比べた外資系企業の賃金の割り増し</a:t>
-            </a:r>
-            <a:endParaRPr lang="en-US" altLang="ja-JP" dirty="0"/>
+              <a:t>内資企業に比べた</a:t>
+            </a:r>
+            <a:r>
+              <a:rPr lang="ja-JP" altLang="en-US">
+                <a:solidFill>
+                  <a:srgbClr val="FF0000"/>
+                </a:solidFill>
+              </a:rPr>
+              <a:t>外資系企業の賃金の割り増し</a:t>
+            </a:r>
+            <a:endParaRPr lang="en-US" altLang="ja-JP" dirty="0">
+              <a:solidFill>
+                <a:srgbClr val="FF0000"/>
+              </a:solidFill>
+            </a:endParaRPr>
           </a:p>
           <a:p>
             <a:r>
@@ -11219,10 +11923,18 @@
               <a:t>(1) </a:t>
             </a:r>
             <a:r>
-              <a:rPr lang="zh-CN" altLang="en-US" dirty="0"/>
+              <a:rPr lang="zh-CN" altLang="en-US" dirty="0">
+                <a:highlight>
+                  <a:srgbClr val="FFFF00"/>
+                </a:highlight>
+              </a:rPr>
               <a:t>競争効果</a:t>
             </a:r>
-            <a:endParaRPr lang="en-US" altLang="zh-CN" dirty="0"/>
+            <a:endParaRPr lang="en-US" altLang="zh-CN" dirty="0">
+              <a:highlight>
+                <a:srgbClr val="FFFF00"/>
+              </a:highlight>
+            </a:endParaRPr>
           </a:p>
           <a:p>
             <a:pPr marL="0" indent="0">
@@ -11339,10 +12051,18 @@
               <a:t>(2) </a:t>
             </a:r>
             <a:r>
-              <a:rPr lang="zh-CN" altLang="en-US" dirty="0"/>
+              <a:rPr lang="zh-CN" altLang="en-US" dirty="0">
+                <a:highlight>
+                  <a:srgbClr val="FFFF00"/>
+                </a:highlight>
+              </a:rPr>
               <a:t>集積効果</a:t>
             </a:r>
-            <a:endParaRPr lang="en-US" altLang="zh-CN" dirty="0"/>
+            <a:endParaRPr lang="en-US" altLang="zh-CN" dirty="0">
+              <a:highlight>
+                <a:srgbClr val="FFFF00"/>
+              </a:highlight>
+            </a:endParaRPr>
           </a:p>
           <a:p>
             <a:pPr marL="0" indent="0">
@@ -12435,6 +13155,108 @@
           </a:p>
         </p:txBody>
       </p:sp>
+      <mc:AlternateContent xmlns:mc="http://schemas.openxmlformats.org/markup-compatibility/2006">
+        <mc:Choice xmlns:p14="http://schemas.microsoft.com/office/powerpoint/2010/main" Requires="p14">
+          <p:contentPart p14:bwMode="auto" r:id="rId2">
+            <p14:nvContentPartPr>
+              <p14:cNvPr id="3" name="Ink 2">
+                <a:extLst>
+                  <a:ext uri="{FF2B5EF4-FFF2-40B4-BE49-F238E27FC236}">
+                    <a16:creationId xmlns:a16="http://schemas.microsoft.com/office/drawing/2014/main" id="{31DBFF58-48FC-485D-9A96-8E0FC5F81836}"/>
+                  </a:ext>
+                </a:extLst>
+              </p14:cNvPr>
+              <p14:cNvContentPartPr/>
+              <p14:nvPr/>
+            </p14:nvContentPartPr>
+            <p14:xfrm>
+              <a:off x="4897942" y="8652131"/>
+              <a:ext cx="2509200" cy="6840"/>
+            </p14:xfrm>
+          </p:contentPart>
+        </mc:Choice>
+        <mc:Fallback>
+          <p:pic>
+            <p:nvPicPr>
+              <p:cNvPr id="3" name="Ink 2">
+                <a:extLst>
+                  <a:ext uri="{FF2B5EF4-FFF2-40B4-BE49-F238E27FC236}">
+                    <a16:creationId xmlns:a16="http://schemas.microsoft.com/office/drawing/2014/main" id="{31DBFF58-48FC-485D-9A96-8E0FC5F81836}"/>
+                  </a:ext>
+                </a:extLst>
+              </p:cNvPr>
+              <p:cNvPicPr/>
+              <p:nvPr/>
+            </p:nvPicPr>
+            <p:blipFill>
+              <a:blip r:embed="rId3"/>
+              <a:stretch>
+                <a:fillRect/>
+              </a:stretch>
+            </p:blipFill>
+            <p:spPr>
+              <a:xfrm>
+                <a:off x="4861942" y="8580491"/>
+                <a:ext cx="2580840" cy="150480"/>
+              </a:xfrm>
+              <a:prstGeom prst="rect">
+                <a:avLst/>
+              </a:prstGeom>
+            </p:spPr>
+          </p:pic>
+        </mc:Fallback>
+      </mc:AlternateContent>
+      <mc:AlternateContent xmlns:mc="http://schemas.openxmlformats.org/markup-compatibility/2006">
+        <mc:Choice xmlns:p14="http://schemas.microsoft.com/office/powerpoint/2010/main" Requires="p14">
+          <p:contentPart p14:bwMode="auto" r:id="rId4">
+            <p14:nvContentPartPr>
+              <p14:cNvPr id="4" name="Ink 3">
+                <a:extLst>
+                  <a:ext uri="{FF2B5EF4-FFF2-40B4-BE49-F238E27FC236}">
+                    <a16:creationId xmlns:a16="http://schemas.microsoft.com/office/drawing/2014/main" id="{7E227C60-F93B-D623-7FC9-A61D4FB155C4}"/>
+                  </a:ext>
+                </a:extLst>
+              </p14:cNvPr>
+              <p14:cNvContentPartPr/>
+              <p14:nvPr/>
+            </p14:nvContentPartPr>
+            <p14:xfrm>
+              <a:off x="5200702" y="8065691"/>
+              <a:ext cx="3029760" cy="27000"/>
+            </p14:xfrm>
+          </p:contentPart>
+        </mc:Choice>
+        <mc:Fallback>
+          <p:pic>
+            <p:nvPicPr>
+              <p:cNvPr id="4" name="Ink 3">
+                <a:extLst>
+                  <a:ext uri="{FF2B5EF4-FFF2-40B4-BE49-F238E27FC236}">
+                    <a16:creationId xmlns:a16="http://schemas.microsoft.com/office/drawing/2014/main" id="{7E227C60-F93B-D623-7FC9-A61D4FB155C4}"/>
+                  </a:ext>
+                </a:extLst>
+              </p:cNvPr>
+              <p:cNvPicPr/>
+              <p:nvPr/>
+            </p:nvPicPr>
+            <p:blipFill>
+              <a:blip r:embed="rId5"/>
+              <a:stretch>
+                <a:fillRect/>
+              </a:stretch>
+            </p:blipFill>
+            <p:spPr>
+              <a:xfrm>
+                <a:off x="5165062" y="7994051"/>
+                <a:ext cx="3101400" cy="170640"/>
+              </a:xfrm>
+              <a:prstGeom prst="rect">
+                <a:avLst/>
+              </a:prstGeom>
+            </p:spPr>
+          </p:pic>
+        </mc:Fallback>
+      </mc:AlternateContent>
     </p:spTree>
     <p:extLst>
       <p:ext uri="{BB962C8B-B14F-4D97-AF65-F5344CB8AC3E}">
